--- a/figs/makeFigs.pptx
+++ b/figs/makeFigs.pptx
@@ -5,8 +5,14 @@
     <p:sldMasterId id="2147483648" r:id="rId1"/>
   </p:sldMasterIdLst>
   <p:sldIdLst>
-    <p:sldId id="256" r:id="rId2"/>
-    <p:sldId id="257" r:id="rId3"/>
+    <p:sldId id="268" r:id="rId2"/>
+    <p:sldId id="269" r:id="rId3"/>
+    <p:sldId id="270" r:id="rId4"/>
+    <p:sldId id="271" r:id="rId5"/>
+    <p:sldId id="262" r:id="rId6"/>
+    <p:sldId id="264" r:id="rId7"/>
+    <p:sldId id="263" r:id="rId8"/>
+    <p:sldId id="272" r:id="rId9"/>
   </p:sldIdLst>
   <p:sldSz cx="12192000" cy="6858000"/>
   <p:notesSz cx="6858000" cy="9144000"/>
@@ -105,6 +111,11 @@
       </a:defRPr>
     </a:lvl9pPr>
   </p:defaultTextStyle>
+  <p:extLst>
+    <p:ext uri="{EFAFB233-063F-42B5-8137-9DF3F51BA10A}">
+      <p15:sldGuideLst xmlns:p15="http://schemas.microsoft.com/office/powerpoint/2012/main"/>
+    </p:ext>
+  </p:extLst>
 </p:presentation>
 </file>
 
@@ -789,6 +800,102 @@
     <p:extLst>
       <p:ext uri="{BB962C8B-B14F-4D97-AF65-F5344CB8AC3E}">
         <p14:creationId xmlns:p14="http://schemas.microsoft.com/office/powerpoint/2010/main" val="806414865"/>
+      </p:ext>
+    </p:extLst>
+  </p:cSld>
+  <p:clrMapOvr>
+    <a:masterClrMapping/>
+  </p:clrMapOvr>
+</p:sldLayout>
+</file>
+
+<file path=ppt/slideLayouts/slideLayout12.xml><?xml version="1.0" encoding="utf-8"?>
+<p:sldLayout xmlns:a="http://schemas.openxmlformats.org/drawingml/2006/main" xmlns:r="http://schemas.openxmlformats.org/officeDocument/2006/relationships" xmlns:p="http://schemas.openxmlformats.org/presentationml/2006/main" type="obj">
+  <p:cSld name="Title, Content">
+    <p:spTree>
+      <p:nvGrpSpPr>
+        <p:cNvPr id="1" name=""/>
+        <p:cNvGrpSpPr/>
+        <p:nvPr/>
+      </p:nvGrpSpPr>
+      <p:grpSpPr>
+        <a:xfrm>
+          <a:off x="0" y="0"/>
+          <a:ext cx="0" cy="0"/>
+          <a:chOff x="0" y="0"/>
+          <a:chExt cx="0" cy="0"/>
+        </a:xfrm>
+      </p:grpSpPr>
+      <p:sp>
+        <p:nvSpPr>
+          <p:cNvPr id="4" name="PlaceHolder 1"/>
+          <p:cNvSpPr>
+            <a:spLocks noGrp="1"/>
+          </p:cNvSpPr>
+          <p:nvPr>
+            <p:ph type="title"/>
+          </p:nvPr>
+        </p:nvSpPr>
+        <p:spPr>
+          <a:xfrm>
+            <a:off x="609562" y="273352"/>
+            <a:ext cx="10971249" cy="1144682"/>
+          </a:xfrm>
+          <a:prstGeom prst="rect">
+            <a:avLst/>
+          </a:prstGeom>
+        </p:spPr>
+        <p:txBody>
+          <a:bodyPr lIns="0" tIns="0" rIns="0" bIns="0" anchor="ctr"/>
+          <a:lstStyle/>
+          <a:p>
+            <a:endParaRPr lang="ja-JP" altLang="en-US" sz="1633" b="0" strike="noStrike" spc="-1">
+              <a:solidFill>
+                <a:srgbClr val="000000"/>
+              </a:solidFill>
+              <a:latin typeface="Arial" panose="020B0604020202020204"/>
+            </a:endParaRPr>
+          </a:p>
+        </p:txBody>
+      </p:sp>
+      <p:sp>
+        <p:nvSpPr>
+          <p:cNvPr id="5" name="PlaceHolder 2"/>
+          <p:cNvSpPr>
+            <a:spLocks noGrp="1"/>
+          </p:cNvSpPr>
+          <p:nvPr>
+            <p:ph type="body"/>
+          </p:nvPr>
+        </p:nvSpPr>
+        <p:spPr>
+          <a:xfrm>
+            <a:off x="609562" y="1604514"/>
+            <a:ext cx="10972120" cy="3977158"/>
+          </a:xfrm>
+          <a:prstGeom prst="rect">
+            <a:avLst/>
+          </a:prstGeom>
+        </p:spPr>
+        <p:txBody>
+          <a:bodyPr lIns="0" tIns="0" rIns="0" bIns="0">
+            <a:normAutofit/>
+          </a:bodyPr>
+          <a:lstStyle/>
+          <a:p>
+            <a:endParaRPr lang="ja-JP" altLang="en-US" sz="2540" b="0" strike="noStrike" spc="-1">
+              <a:solidFill>
+                <a:srgbClr val="000000"/>
+              </a:solidFill>
+              <a:latin typeface="Arial" panose="020B0604020202020204"/>
+            </a:endParaRPr>
+          </a:p>
+        </p:txBody>
+      </p:sp>
+    </p:spTree>
+    <p:extLst>
+      <p:ext uri="{BB962C8B-B14F-4D97-AF65-F5344CB8AC3E}">
+        <p14:creationId xmlns:p14="http://schemas.microsoft.com/office/powerpoint/2010/main" val="672955536"/>
       </p:ext>
     </p:extLst>
   </p:cSld>
@@ -3309,6 +3416,7 @@
     <p:sldLayoutId id="2147483657" r:id="rId9"/>
     <p:sldLayoutId id="2147483658" r:id="rId10"/>
     <p:sldLayoutId id="2147483659" r:id="rId11"/>
+    <p:sldLayoutId id="2147483660" r:id="rId12"/>
   </p:sldLayoutIdLst>
   <p:txStyles>
     <p:titleStyle>
@@ -3610,60 +3718,256 @@
           <a:chExt cx="0" cy="0"/>
         </a:xfrm>
       </p:grpSpPr>
-      <p:sp>
-        <p:nvSpPr>
-          <p:cNvPr id="2" name="タイトル 1">
-            <a:extLst>
-              <a:ext uri="{FF2B5EF4-FFF2-40B4-BE49-F238E27FC236}">
-                <a16:creationId xmlns:a16="http://schemas.microsoft.com/office/drawing/2014/main" id="{71A2A8C0-D967-44FC-9AE4-05F6C56977B0}"/>
-              </a:ext>
-            </a:extLst>
-          </p:cNvPr>
-          <p:cNvSpPr>
-            <a:spLocks noGrp="1"/>
-          </p:cNvSpPr>
-          <p:nvPr>
-            <p:ph type="ctrTitle"/>
-          </p:nvPr>
-        </p:nvSpPr>
-        <p:spPr/>
-        <p:txBody>
-          <a:bodyPr/>
-          <a:lstStyle/>
-          <a:p>
-            <a:endParaRPr kumimoji="1" lang="ja-JP" altLang="en-US"/>
-          </a:p>
-        </p:txBody>
-      </p:sp>
-      <p:sp>
-        <p:nvSpPr>
-          <p:cNvPr id="3" name="字幕 2">
-            <a:extLst>
-              <a:ext uri="{FF2B5EF4-FFF2-40B4-BE49-F238E27FC236}">
-                <a16:creationId xmlns:a16="http://schemas.microsoft.com/office/drawing/2014/main" id="{E920071E-E9FA-4CB5-B1F3-A9F6A280EDC8}"/>
-              </a:ext>
-            </a:extLst>
-          </p:cNvPr>
-          <p:cNvSpPr>
-            <a:spLocks noGrp="1"/>
-          </p:cNvSpPr>
-          <p:nvPr>
-            <p:ph type="subTitle" idx="1"/>
-          </p:nvPr>
-        </p:nvSpPr>
-        <p:spPr/>
-        <p:txBody>
-          <a:bodyPr/>
-          <a:lstStyle/>
-          <a:p>
-            <a:endParaRPr kumimoji="1" lang="ja-JP" altLang="en-US"/>
-          </a:p>
-        </p:txBody>
-      </p:sp>
+      <p:pic>
+        <p:nvPicPr>
+          <p:cNvPr id="36" name="図 35">
+            <a:extLst>
+              <a:ext uri="{FF2B5EF4-FFF2-40B4-BE49-F238E27FC236}">
+                <a16:creationId xmlns:a16="http://schemas.microsoft.com/office/drawing/2014/main" id="{39B8AA83-806F-4BCE-BC7E-903497073218}"/>
+              </a:ext>
+            </a:extLst>
+          </p:cNvPr>
+          <p:cNvPicPr>
+            <a:picLocks noChangeAspect="1"/>
+          </p:cNvPicPr>
+          <p:nvPr/>
+        </p:nvPicPr>
+        <p:blipFill>
+          <a:blip r:embed="rId2"/>
+          <a:stretch>
+            <a:fillRect/>
+          </a:stretch>
+        </p:blipFill>
+        <p:spPr>
+          <a:xfrm>
+            <a:off x="3881418" y="1706548"/>
+            <a:ext cx="4429165" cy="3444906"/>
+          </a:xfrm>
+          <a:prstGeom prst="rect">
+            <a:avLst/>
+          </a:prstGeom>
+        </p:spPr>
+      </p:pic>
+      <p:sp>
+        <p:nvSpPr>
+          <p:cNvPr id="7" name="テキスト ボックス 6">
+            <a:extLst>
+              <a:ext uri="{FF2B5EF4-FFF2-40B4-BE49-F238E27FC236}">
+                <a16:creationId xmlns:a16="http://schemas.microsoft.com/office/drawing/2014/main" id="{8636CB39-C489-4634-96DF-C6ADE06DF603}"/>
+              </a:ext>
+            </a:extLst>
+          </p:cNvPr>
+          <p:cNvSpPr txBox="1"/>
+          <p:nvPr/>
+        </p:nvSpPr>
+        <p:spPr>
+          <a:xfrm>
+            <a:off x="3558324" y="4250040"/>
+            <a:ext cx="1567495" cy="489018"/>
+          </a:xfrm>
+          <a:prstGeom prst="rect">
+            <a:avLst/>
+          </a:prstGeom>
+          <a:solidFill>
+            <a:srgbClr val="92D050">
+              <a:alpha val="80000"/>
+            </a:srgbClr>
+          </a:solidFill>
+          <a:ln>
+            <a:solidFill>
+              <a:schemeClr val="tx1"/>
+            </a:solidFill>
+          </a:ln>
+        </p:spPr>
+        <p:txBody>
+          <a:bodyPr wrap="square" rtlCol="0">
+            <a:noAutofit/>
+          </a:bodyPr>
+          <a:lstStyle/>
+          <a:p>
+            <a:r>
+              <a:rPr lang="en-US" altLang="ja-JP" sz="907" dirty="0">
+                <a:latin typeface="ＭＳ Ｐゴシック" panose="020B0600070205080204" pitchFamily="50" charset="-128"/>
+                <a:ea typeface="ＭＳ Ｐゴシック" panose="020B0600070205080204" pitchFamily="50" charset="-128"/>
+                <a:cs typeface="Arial" panose="020B0604020202020204" pitchFamily="34" charset="0"/>
+              </a:rPr>
+              <a:t>Receive Boolean signal of digital input.</a:t>
+            </a:r>
+          </a:p>
+        </p:txBody>
+      </p:sp>
+      <p:cxnSp>
+        <p:nvCxnSpPr>
+          <p:cNvPr id="8" name="直線矢印コネクタ 7">
+            <a:extLst>
+              <a:ext uri="{FF2B5EF4-FFF2-40B4-BE49-F238E27FC236}">
+                <a16:creationId xmlns:a16="http://schemas.microsoft.com/office/drawing/2014/main" id="{BD001327-666A-4F97-B893-23BCD2C114E0}"/>
+              </a:ext>
+            </a:extLst>
+          </p:cNvPr>
+          <p:cNvCxnSpPr>
+            <a:cxnSpLocks/>
+            <a:stCxn id="7" idx="0"/>
+          </p:cNvCxnSpPr>
+          <p:nvPr/>
+        </p:nvCxnSpPr>
+        <p:spPr>
+          <a:xfrm flipH="1" flipV="1">
+            <a:off x="4150357" y="3429000"/>
+            <a:ext cx="191715" cy="821039"/>
+          </a:xfrm>
+          <a:prstGeom prst="straightConnector1">
+            <a:avLst/>
+          </a:prstGeom>
+          <a:ln w="12700">
+            <a:solidFill>
+              <a:srgbClr val="00B050"/>
+            </a:solidFill>
+            <a:tailEnd type="oval"/>
+          </a:ln>
+        </p:spPr>
+        <p:style>
+          <a:lnRef idx="1">
+            <a:schemeClr val="accent1"/>
+          </a:lnRef>
+          <a:fillRef idx="0">
+            <a:schemeClr val="accent1"/>
+          </a:fillRef>
+          <a:effectRef idx="0">
+            <a:schemeClr val="accent1"/>
+          </a:effectRef>
+          <a:fontRef idx="minor">
+            <a:schemeClr val="tx1"/>
+          </a:fontRef>
+        </p:style>
+      </p:cxnSp>
+      <p:sp>
+        <p:nvSpPr>
+          <p:cNvPr id="20" name="テキスト ボックス 19">
+            <a:extLst>
+              <a:ext uri="{FF2B5EF4-FFF2-40B4-BE49-F238E27FC236}">
+                <a16:creationId xmlns:a16="http://schemas.microsoft.com/office/drawing/2014/main" id="{D88663C5-4A18-4D5D-83C4-B7A56CFE8ABF}"/>
+              </a:ext>
+            </a:extLst>
+          </p:cNvPr>
+          <p:cNvSpPr txBox="1"/>
+          <p:nvPr/>
+        </p:nvSpPr>
+        <p:spPr>
+          <a:xfrm>
+            <a:off x="6800235" y="4087154"/>
+            <a:ext cx="2457857" cy="1258688"/>
+          </a:xfrm>
+          <a:prstGeom prst="rect">
+            <a:avLst/>
+          </a:prstGeom>
+          <a:solidFill>
+            <a:srgbClr val="92D050">
+              <a:alpha val="80000"/>
+            </a:srgbClr>
+          </a:solidFill>
+          <a:ln>
+            <a:solidFill>
+              <a:schemeClr val="tx1"/>
+            </a:solidFill>
+          </a:ln>
+        </p:spPr>
+        <p:txBody>
+          <a:bodyPr wrap="square" rtlCol="0">
+            <a:noAutofit/>
+          </a:bodyPr>
+          <a:lstStyle/>
+          <a:p>
+            <a:r>
+              <a:rPr lang="en-US" altLang="ja-JP" sz="907" dirty="0">
+                <a:latin typeface="ＭＳ Ｐゴシック" panose="020B0600070205080204" pitchFamily="50" charset="-128"/>
+                <a:ea typeface="ＭＳ Ｐゴシック" panose="020B0600070205080204" pitchFamily="50" charset="-128"/>
+                <a:cs typeface="Arial" panose="020B0604020202020204" pitchFamily="34" charset="0"/>
+              </a:rPr>
+              <a:t>-. accumulate digital signal received and output.</a:t>
+            </a:r>
+          </a:p>
+          <a:p>
+            <a:r>
+              <a:rPr lang="en-US" altLang="ja-JP" sz="907" dirty="0">
+                <a:latin typeface="ＭＳ Ｐゴシック" panose="020B0600070205080204" pitchFamily="50" charset="-128"/>
+                <a:ea typeface="ＭＳ Ｐゴシック" panose="020B0600070205080204" pitchFamily="50" charset="-128"/>
+                <a:cs typeface="Arial" panose="020B0604020202020204" pitchFamily="34" charset="0"/>
+              </a:rPr>
+              <a:t>-. Increase of output signal is determined by how many times true signal is received, NOT by how long true signal is maintained.</a:t>
+            </a:r>
+          </a:p>
+          <a:p>
+            <a:r>
+              <a:rPr lang="en-US" altLang="ja-JP" sz="907" dirty="0">
+                <a:latin typeface="ＭＳ Ｐゴシック" panose="020B0600070205080204" pitchFamily="50" charset="-128"/>
+                <a:ea typeface="ＭＳ Ｐゴシック" panose="020B0600070205080204" pitchFamily="50" charset="-128"/>
+                <a:cs typeface="Arial" panose="020B0604020202020204" pitchFamily="34" charset="0"/>
+              </a:rPr>
+              <a:t>-. Output signal can be scaled by parameter setting for control of large values.</a:t>
+            </a:r>
+          </a:p>
+          <a:p>
+            <a:r>
+              <a:rPr lang="en-US" altLang="ja-JP" sz="907" dirty="0">
+                <a:latin typeface="ＭＳ Ｐゴシック" panose="020B0600070205080204" pitchFamily="50" charset="-128"/>
+                <a:ea typeface="ＭＳ Ｐゴシック" panose="020B0600070205080204" pitchFamily="50" charset="-128"/>
+                <a:cs typeface="Arial" panose="020B0604020202020204" pitchFamily="34" charset="0"/>
+              </a:rPr>
+              <a:t>-. Output signal can be start with desired value set via parameter.</a:t>
+            </a:r>
+          </a:p>
+        </p:txBody>
+      </p:sp>
+      <p:cxnSp>
+        <p:nvCxnSpPr>
+          <p:cNvPr id="21" name="直線矢印コネクタ 20">
+            <a:extLst>
+              <a:ext uri="{FF2B5EF4-FFF2-40B4-BE49-F238E27FC236}">
+                <a16:creationId xmlns:a16="http://schemas.microsoft.com/office/drawing/2014/main" id="{3EA461E0-147F-44F5-9433-6AB59E1F1C0A}"/>
+              </a:ext>
+            </a:extLst>
+          </p:cNvPr>
+          <p:cNvCxnSpPr>
+            <a:cxnSpLocks/>
+            <a:stCxn id="20" idx="0"/>
+          </p:cNvCxnSpPr>
+          <p:nvPr/>
+        </p:nvCxnSpPr>
+        <p:spPr>
+          <a:xfrm flipH="1" flipV="1">
+            <a:off x="7983324" y="3404935"/>
+            <a:ext cx="45840" cy="682219"/>
+          </a:xfrm>
+          <a:prstGeom prst="straightConnector1">
+            <a:avLst/>
+          </a:prstGeom>
+          <a:ln w="12700">
+            <a:solidFill>
+              <a:srgbClr val="00B050"/>
+            </a:solidFill>
+            <a:tailEnd type="oval"/>
+          </a:ln>
+        </p:spPr>
+        <p:style>
+          <a:lnRef idx="1">
+            <a:schemeClr val="accent1"/>
+          </a:lnRef>
+          <a:fillRef idx="0">
+            <a:schemeClr val="accent1"/>
+          </a:fillRef>
+          <a:effectRef idx="0">
+            <a:schemeClr val="accent1"/>
+          </a:effectRef>
+          <a:fontRef idx="minor">
+            <a:schemeClr val="tx1"/>
+          </a:fontRef>
+        </p:style>
+      </p:cxnSp>
     </p:spTree>
     <p:extLst>
       <p:ext uri="{BB962C8B-B14F-4D97-AF65-F5344CB8AC3E}">
-        <p14:creationId xmlns:p14="http://schemas.microsoft.com/office/powerpoint/2010/main" val="1907782555"/>
+        <p14:creationId xmlns:p14="http://schemas.microsoft.com/office/powerpoint/2010/main" val="4106514271"/>
       </p:ext>
     </p:extLst>
   </p:cSld>
@@ -3690,60 +3994,1597 @@
           <a:chExt cx="0" cy="0"/>
         </a:xfrm>
       </p:grpSpPr>
-      <p:sp>
-        <p:nvSpPr>
-          <p:cNvPr id="2" name="タイトル 1">
-            <a:extLst>
-              <a:ext uri="{FF2B5EF4-FFF2-40B4-BE49-F238E27FC236}">
-                <a16:creationId xmlns:a16="http://schemas.microsoft.com/office/drawing/2014/main" id="{6C9E2C55-12E5-4FF7-85DA-261EB84760D8}"/>
-              </a:ext>
-            </a:extLst>
-          </p:cNvPr>
-          <p:cNvSpPr>
-            <a:spLocks noGrp="1"/>
-          </p:cNvSpPr>
-          <p:nvPr>
-            <p:ph type="title"/>
-          </p:nvPr>
-        </p:nvSpPr>
-        <p:spPr/>
-        <p:txBody>
-          <a:bodyPr/>
-          <a:lstStyle/>
-          <a:p>
-            <a:endParaRPr kumimoji="1" lang="ja-JP" altLang="en-US"/>
-          </a:p>
-        </p:txBody>
-      </p:sp>
-      <p:sp>
-        <p:nvSpPr>
-          <p:cNvPr id="3" name="コンテンツ プレースホルダー 2">
-            <a:extLst>
-              <a:ext uri="{FF2B5EF4-FFF2-40B4-BE49-F238E27FC236}">
-                <a16:creationId xmlns:a16="http://schemas.microsoft.com/office/drawing/2014/main" id="{67A1AD80-E0E8-489A-8F7F-31F192D097B3}"/>
-              </a:ext>
-            </a:extLst>
-          </p:cNvPr>
-          <p:cNvSpPr>
-            <a:spLocks noGrp="1"/>
-          </p:cNvSpPr>
-          <p:nvPr>
-            <p:ph idx="1"/>
-          </p:nvPr>
-        </p:nvSpPr>
-        <p:spPr/>
-        <p:txBody>
-          <a:bodyPr/>
-          <a:lstStyle/>
-          <a:p>
-            <a:endParaRPr kumimoji="1" lang="ja-JP" altLang="en-US"/>
-          </a:p>
-        </p:txBody>
-      </p:sp>
+      <p:pic>
+        <p:nvPicPr>
+          <p:cNvPr id="39" name="図 38">
+            <a:extLst>
+              <a:ext uri="{FF2B5EF4-FFF2-40B4-BE49-F238E27FC236}">
+                <a16:creationId xmlns:a16="http://schemas.microsoft.com/office/drawing/2014/main" id="{239BC509-148D-49C4-BC32-2D207891C808}"/>
+              </a:ext>
+            </a:extLst>
+          </p:cNvPr>
+          <p:cNvPicPr>
+            <a:picLocks noChangeAspect="1"/>
+          </p:cNvPicPr>
+          <p:nvPr/>
+        </p:nvPicPr>
+        <p:blipFill rotWithShape="1">
+          <a:blip r:embed="rId2"/>
+          <a:srcRect r="14385" b="40768"/>
+          <a:stretch/>
+        </p:blipFill>
+        <p:spPr>
+          <a:xfrm>
+            <a:off x="4189009" y="2141752"/>
+            <a:ext cx="3410029" cy="2343839"/>
+          </a:xfrm>
+          <a:prstGeom prst="rect">
+            <a:avLst/>
+          </a:prstGeom>
+        </p:spPr>
+      </p:pic>
+      <p:sp>
+        <p:nvSpPr>
+          <p:cNvPr id="6" name="テキスト ボックス 5">
+            <a:extLst>
+              <a:ext uri="{FF2B5EF4-FFF2-40B4-BE49-F238E27FC236}">
+                <a16:creationId xmlns:a16="http://schemas.microsoft.com/office/drawing/2014/main" id="{4E506106-D5CE-4A76-8BA0-A888EBD86673}"/>
+              </a:ext>
+            </a:extLst>
+          </p:cNvPr>
+          <p:cNvSpPr txBox="1"/>
+          <p:nvPr/>
+        </p:nvSpPr>
+        <p:spPr>
+          <a:xfrm>
+            <a:off x="3643423" y="3794318"/>
+            <a:ext cx="1791451" cy="691273"/>
+          </a:xfrm>
+          <a:prstGeom prst="rect">
+            <a:avLst/>
+          </a:prstGeom>
+          <a:solidFill>
+            <a:srgbClr val="92D050">
+              <a:alpha val="80000"/>
+            </a:srgbClr>
+          </a:solidFill>
+          <a:ln>
+            <a:solidFill>
+              <a:schemeClr val="tx1"/>
+            </a:solidFill>
+          </a:ln>
+        </p:spPr>
+        <p:txBody>
+          <a:bodyPr wrap="square" rtlCol="0">
+            <a:noAutofit/>
+          </a:bodyPr>
+          <a:lstStyle/>
+          <a:p>
+            <a:r>
+              <a:rPr lang="en-US" altLang="ja-JP" sz="907" dirty="0">
+                <a:latin typeface="ＭＳ Ｐゴシック" panose="020B0600070205080204" pitchFamily="50" charset="-128"/>
+                <a:ea typeface="ＭＳ Ｐゴシック" panose="020B0600070205080204" pitchFamily="50" charset="-128"/>
+                <a:cs typeface="Arial" panose="020B0604020202020204" pitchFamily="34" charset="0"/>
+              </a:rPr>
+              <a:t>It is assumed to be deployed together with </a:t>
+            </a:r>
+            <a:r>
+              <a:rPr lang="en-US" altLang="ja-JP" sz="907" dirty="0" err="1">
+                <a:latin typeface="ＭＳ Ｐゴシック" panose="020B0600070205080204" pitchFamily="50" charset="-128"/>
+                <a:ea typeface="ＭＳ Ｐゴシック" panose="020B0600070205080204" pitchFamily="50" charset="-128"/>
+                <a:cs typeface="Arial" panose="020B0604020202020204" pitchFamily="34" charset="0"/>
+              </a:rPr>
+              <a:t>keybordInput</a:t>
+            </a:r>
+            <a:r>
+              <a:rPr lang="en-US" altLang="ja-JP" sz="907" dirty="0">
+                <a:latin typeface="ＭＳ Ｐゴシック" panose="020B0600070205080204" pitchFamily="50" charset="-128"/>
+                <a:ea typeface="ＭＳ Ｐゴシック" panose="020B0600070205080204" pitchFamily="50" charset="-128"/>
+                <a:cs typeface="Arial" panose="020B0604020202020204" pitchFamily="34" charset="0"/>
+              </a:rPr>
+              <a:t> component of </a:t>
+            </a:r>
+            <a:r>
+              <a:rPr lang="en-US" altLang="ja-JP" sz="907" dirty="0" err="1">
+                <a:latin typeface="ＭＳ Ｐゴシック" panose="020B0600070205080204" pitchFamily="50" charset="-128"/>
+                <a:ea typeface="ＭＳ Ｐゴシック" panose="020B0600070205080204" pitchFamily="50" charset="-128"/>
+                <a:cs typeface="Arial" panose="020B0604020202020204" pitchFamily="34" charset="0"/>
+              </a:rPr>
+              <a:t>Modelica_DeviceDrivers</a:t>
+            </a:r>
+            <a:r>
+              <a:rPr lang="en-US" altLang="ja-JP" sz="907" dirty="0">
+                <a:latin typeface="ＭＳ Ｐゴシック" panose="020B0600070205080204" pitchFamily="50" charset="-128"/>
+                <a:ea typeface="ＭＳ Ｐゴシック" panose="020B0600070205080204" pitchFamily="50" charset="-128"/>
+                <a:cs typeface="Arial" panose="020B0604020202020204" pitchFamily="34" charset="0"/>
+              </a:rPr>
+              <a:t> library.</a:t>
+            </a:r>
+          </a:p>
+        </p:txBody>
+      </p:sp>
+      <p:cxnSp>
+        <p:nvCxnSpPr>
+          <p:cNvPr id="7" name="直線矢印コネクタ 6">
+            <a:extLst>
+              <a:ext uri="{FF2B5EF4-FFF2-40B4-BE49-F238E27FC236}">
+                <a16:creationId xmlns:a16="http://schemas.microsoft.com/office/drawing/2014/main" id="{81BA8AD4-F910-404A-8CB3-605D1316CAFA}"/>
+              </a:ext>
+            </a:extLst>
+          </p:cNvPr>
+          <p:cNvCxnSpPr>
+            <a:cxnSpLocks/>
+            <a:stCxn id="6" idx="3"/>
+          </p:cNvCxnSpPr>
+          <p:nvPr/>
+        </p:nvCxnSpPr>
+        <p:spPr>
+          <a:xfrm flipV="1">
+            <a:off x="5434874" y="3794319"/>
+            <a:ext cx="267005" cy="345636"/>
+          </a:xfrm>
+          <a:prstGeom prst="straightConnector1">
+            <a:avLst/>
+          </a:prstGeom>
+          <a:ln w="12700">
+            <a:solidFill>
+              <a:srgbClr val="00B050"/>
+            </a:solidFill>
+            <a:tailEnd type="oval"/>
+          </a:ln>
+        </p:spPr>
+        <p:style>
+          <a:lnRef idx="1">
+            <a:schemeClr val="accent1"/>
+          </a:lnRef>
+          <a:fillRef idx="0">
+            <a:schemeClr val="accent1"/>
+          </a:fillRef>
+          <a:effectRef idx="0">
+            <a:schemeClr val="accent1"/>
+          </a:effectRef>
+          <a:fontRef idx="minor">
+            <a:schemeClr val="tx1"/>
+          </a:fontRef>
+        </p:style>
+      </p:cxnSp>
+      <p:cxnSp>
+        <p:nvCxnSpPr>
+          <p:cNvPr id="8" name="直線矢印コネクタ 7">
+            <a:extLst>
+              <a:ext uri="{FF2B5EF4-FFF2-40B4-BE49-F238E27FC236}">
+                <a16:creationId xmlns:a16="http://schemas.microsoft.com/office/drawing/2014/main" id="{EBACFD37-974A-4ADF-8079-11060A6273FD}"/>
+              </a:ext>
+            </a:extLst>
+          </p:cNvPr>
+          <p:cNvCxnSpPr>
+            <a:cxnSpLocks/>
+            <a:stCxn id="6" idx="3"/>
+          </p:cNvCxnSpPr>
+          <p:nvPr/>
+        </p:nvCxnSpPr>
+        <p:spPr>
+          <a:xfrm>
+            <a:off x="5434875" y="4139955"/>
+            <a:ext cx="1204063" cy="50491"/>
+          </a:xfrm>
+          <a:prstGeom prst="straightConnector1">
+            <a:avLst/>
+          </a:prstGeom>
+          <a:ln w="12700">
+            <a:solidFill>
+              <a:srgbClr val="00B050"/>
+            </a:solidFill>
+            <a:tailEnd type="oval"/>
+          </a:ln>
+        </p:spPr>
+        <p:style>
+          <a:lnRef idx="1">
+            <a:schemeClr val="accent1"/>
+          </a:lnRef>
+          <a:fillRef idx="0">
+            <a:schemeClr val="accent1"/>
+          </a:fillRef>
+          <a:effectRef idx="0">
+            <a:schemeClr val="accent1"/>
+          </a:effectRef>
+          <a:fontRef idx="minor">
+            <a:schemeClr val="tx1"/>
+          </a:fontRef>
+        </p:style>
+      </p:cxnSp>
     </p:spTree>
     <p:extLst>
       <p:ext uri="{BB962C8B-B14F-4D97-AF65-F5344CB8AC3E}">
-        <p14:creationId xmlns:p14="http://schemas.microsoft.com/office/powerpoint/2010/main" val="3100200964"/>
+        <p14:creationId xmlns:p14="http://schemas.microsoft.com/office/powerpoint/2010/main" val="160387173"/>
+      </p:ext>
+    </p:extLst>
+  </p:cSld>
+  <p:clrMapOvr>
+    <a:masterClrMapping/>
+  </p:clrMapOvr>
+</p:sld>
+</file>
+
+<file path=ppt/slides/slide3.xml><?xml version="1.0" encoding="utf-8"?>
+<p:sld xmlns:a="http://schemas.openxmlformats.org/drawingml/2006/main" xmlns:r="http://schemas.openxmlformats.org/officeDocument/2006/relationships" xmlns:p="http://schemas.openxmlformats.org/presentationml/2006/main">
+  <p:cSld>
+    <p:spTree>
+      <p:nvGrpSpPr>
+        <p:cNvPr id="1" name=""/>
+        <p:cNvGrpSpPr/>
+        <p:nvPr/>
+      </p:nvGrpSpPr>
+      <p:grpSpPr>
+        <a:xfrm>
+          <a:off x="0" y="0"/>
+          <a:ext cx="0" cy="0"/>
+          <a:chOff x="0" y="0"/>
+          <a:chExt cx="0" cy="0"/>
+        </a:xfrm>
+      </p:grpSpPr>
+      <p:pic>
+        <p:nvPicPr>
+          <p:cNvPr id="6" name="図 5">
+            <a:extLst>
+              <a:ext uri="{FF2B5EF4-FFF2-40B4-BE49-F238E27FC236}">
+                <a16:creationId xmlns:a16="http://schemas.microsoft.com/office/drawing/2014/main" id="{88EBC19E-D458-4F03-9F60-C119958D171B}"/>
+              </a:ext>
+            </a:extLst>
+          </p:cNvPr>
+          <p:cNvPicPr>
+            <a:picLocks noChangeAspect="1"/>
+          </p:cNvPicPr>
+          <p:nvPr/>
+        </p:nvPicPr>
+        <p:blipFill>
+          <a:blip r:embed="rId2"/>
+          <a:stretch>
+            <a:fillRect/>
+          </a:stretch>
+        </p:blipFill>
+        <p:spPr>
+          <a:xfrm>
+            <a:off x="3213298" y="733027"/>
+            <a:ext cx="6531709" cy="4685016"/>
+          </a:xfrm>
+          <a:prstGeom prst="rect">
+            <a:avLst/>
+          </a:prstGeom>
+        </p:spPr>
+      </p:pic>
+      <p:sp>
+        <p:nvSpPr>
+          <p:cNvPr id="4" name="テキスト ボックス 3">
+            <a:extLst>
+              <a:ext uri="{FF2B5EF4-FFF2-40B4-BE49-F238E27FC236}">
+                <a16:creationId xmlns:a16="http://schemas.microsoft.com/office/drawing/2014/main" id="{45BC0BC8-7A29-4D5C-814B-B0168232F33F}"/>
+              </a:ext>
+            </a:extLst>
+          </p:cNvPr>
+          <p:cNvSpPr txBox="1"/>
+          <p:nvPr/>
+        </p:nvSpPr>
+        <p:spPr>
+          <a:xfrm>
+            <a:off x="4227164" y="1989329"/>
+            <a:ext cx="2742048" cy="550098"/>
+          </a:xfrm>
+          <a:prstGeom prst="rect">
+            <a:avLst/>
+          </a:prstGeom>
+          <a:solidFill>
+            <a:schemeClr val="accent5">
+              <a:lumMod val="40000"/>
+              <a:lumOff val="60000"/>
+            </a:schemeClr>
+          </a:solidFill>
+          <a:ln>
+            <a:solidFill>
+              <a:schemeClr val="tx1"/>
+            </a:solidFill>
+          </a:ln>
+        </p:spPr>
+        <p:txBody>
+          <a:bodyPr wrap="square" rtlCol="0">
+            <a:noAutofit/>
+          </a:bodyPr>
+          <a:lstStyle/>
+          <a:p>
+            <a:r>
+              <a:rPr lang="en-US" altLang="ja-JP" sz="907" dirty="0">
+                <a:latin typeface="ＭＳ Ｐゴシック" panose="020B0600070205080204" pitchFamily="50" charset="-128"/>
+                <a:ea typeface="ＭＳ Ｐゴシック" panose="020B0600070205080204" pitchFamily="50" charset="-128"/>
+                <a:cs typeface="Arial" panose="020B0604020202020204" pitchFamily="34" charset="0"/>
+              </a:rPr>
+              <a:t>Input: </a:t>
+            </a:r>
+          </a:p>
+          <a:p>
+            <a:r>
+              <a:rPr lang="en-US" altLang="ja-JP" sz="907" dirty="0">
+                <a:latin typeface="ＭＳ Ｐゴシック" panose="020B0600070205080204" pitchFamily="50" charset="-128"/>
+                <a:ea typeface="ＭＳ Ｐゴシック" panose="020B0600070205080204" pitchFamily="50" charset="-128"/>
+                <a:cs typeface="Arial" panose="020B0604020202020204" pitchFamily="34" charset="0"/>
+              </a:rPr>
+              <a:t>-. </a:t>
+            </a:r>
+            <a:r>
+              <a:rPr lang="en-US" altLang="ja-JP" sz="907" dirty="0" err="1">
+                <a:latin typeface="ＭＳ Ｐゴシック" panose="020B0600070205080204" pitchFamily="50" charset="-128"/>
+                <a:ea typeface="ＭＳ Ｐゴシック" panose="020B0600070205080204" pitchFamily="50" charset="-128"/>
+                <a:cs typeface="Arial" panose="020B0604020202020204" pitchFamily="34" charset="0"/>
+              </a:rPr>
+              <a:t>Beelean</a:t>
+            </a:r>
+            <a:r>
+              <a:rPr lang="en-US" altLang="ja-JP" sz="907" dirty="0">
+                <a:latin typeface="ＭＳ Ｐゴシック" panose="020B0600070205080204" pitchFamily="50" charset="-128"/>
+                <a:ea typeface="ＭＳ Ｐゴシック" panose="020B0600070205080204" pitchFamily="50" charset="-128"/>
+                <a:cs typeface="Arial" panose="020B0604020202020204" pitchFamily="34" charset="0"/>
+              </a:rPr>
+              <a:t> signal which represent </a:t>
+            </a:r>
+            <a:r>
+              <a:rPr lang="en-US" altLang="ja-JP" sz="907" dirty="0" err="1">
+                <a:latin typeface="ＭＳ Ｐゴシック" panose="020B0600070205080204" pitchFamily="50" charset="-128"/>
+                <a:ea typeface="ＭＳ Ｐゴシック" panose="020B0600070205080204" pitchFamily="50" charset="-128"/>
+                <a:cs typeface="Arial" panose="020B0604020202020204" pitchFamily="34" charset="0"/>
+              </a:rPr>
+              <a:t>keybord</a:t>
+            </a:r>
+            <a:r>
+              <a:rPr lang="en-US" altLang="ja-JP" sz="907" dirty="0">
+                <a:latin typeface="ＭＳ Ｐゴシック" panose="020B0600070205080204" pitchFamily="50" charset="-128"/>
+                <a:ea typeface="ＭＳ Ｐゴシック" panose="020B0600070205080204" pitchFamily="50" charset="-128"/>
+                <a:cs typeface="Arial" panose="020B0604020202020204" pitchFamily="34" charset="0"/>
+              </a:rPr>
+              <a:t> </a:t>
+            </a:r>
+            <a:r>
+              <a:rPr lang="en-US" altLang="ja-JP" sz="907" dirty="0" err="1">
+                <a:latin typeface="ＭＳ Ｐゴシック" panose="020B0600070205080204" pitchFamily="50" charset="-128"/>
+                <a:ea typeface="ＭＳ Ｐゴシック" panose="020B0600070205080204" pitchFamily="50" charset="-128"/>
+                <a:cs typeface="Arial" panose="020B0604020202020204" pitchFamily="34" charset="0"/>
+              </a:rPr>
+              <a:t>inout</a:t>
+            </a:r>
+            <a:r>
+              <a:rPr lang="en-US" altLang="ja-JP" sz="907" dirty="0">
+                <a:latin typeface="ＭＳ Ｐゴシック" panose="020B0600070205080204" pitchFamily="50" charset="-128"/>
+                <a:ea typeface="ＭＳ Ｐゴシック" panose="020B0600070205080204" pitchFamily="50" charset="-128"/>
+                <a:cs typeface="Arial" panose="020B0604020202020204" pitchFamily="34" charset="0"/>
+              </a:rPr>
+              <a:t>.</a:t>
+            </a:r>
+          </a:p>
+          <a:p>
+            <a:r>
+              <a:rPr lang="en-US" altLang="ja-JP" sz="907" dirty="0">
+                <a:latin typeface="ＭＳ Ｐゴシック" panose="020B0600070205080204" pitchFamily="50" charset="-128"/>
+                <a:ea typeface="ＭＳ Ｐゴシック" panose="020B0600070205080204" pitchFamily="50" charset="-128"/>
+                <a:cs typeface="Arial" panose="020B0604020202020204" pitchFamily="34" charset="0"/>
+              </a:rPr>
+              <a:t>-.”1” </a:t>
+            </a:r>
+            <a:r>
+              <a:rPr lang="en-US" altLang="ja-JP" sz="907" dirty="0" err="1">
+                <a:latin typeface="ＭＳ Ｐゴシック" panose="020B0600070205080204" pitchFamily="50" charset="-128"/>
+                <a:ea typeface="ＭＳ Ｐゴシック" panose="020B0600070205080204" pitchFamily="50" charset="-128"/>
+                <a:cs typeface="Arial" panose="020B0604020202020204" pitchFamily="34" charset="0"/>
+              </a:rPr>
+              <a:t>represenets</a:t>
+            </a:r>
+            <a:r>
+              <a:rPr lang="en-US" altLang="ja-JP" sz="907" dirty="0">
+                <a:latin typeface="ＭＳ Ｐゴシック" panose="020B0600070205080204" pitchFamily="50" charset="-128"/>
+                <a:ea typeface="ＭＳ Ｐゴシック" panose="020B0600070205080204" pitchFamily="50" charset="-128"/>
+                <a:cs typeface="Arial" panose="020B0604020202020204" pitchFamily="34" charset="0"/>
+              </a:rPr>
+              <a:t> “pressed”.</a:t>
+            </a:r>
+            <a:endParaRPr lang="ja-JP" altLang="en-US" sz="907" dirty="0">
+              <a:latin typeface="ＭＳ Ｐゴシック" panose="020B0600070205080204" pitchFamily="50" charset="-128"/>
+              <a:ea typeface="ＭＳ Ｐゴシック" panose="020B0600070205080204" pitchFamily="50" charset="-128"/>
+              <a:cs typeface="Arial" panose="020B0604020202020204" pitchFamily="34" charset="0"/>
+            </a:endParaRPr>
+          </a:p>
+        </p:txBody>
+      </p:sp>
+      <p:cxnSp>
+        <p:nvCxnSpPr>
+          <p:cNvPr id="5" name="直線矢印コネクタ 4">
+            <a:extLst>
+              <a:ext uri="{FF2B5EF4-FFF2-40B4-BE49-F238E27FC236}">
+                <a16:creationId xmlns:a16="http://schemas.microsoft.com/office/drawing/2014/main" id="{F6461B8D-278E-4C3B-8EF6-A76D55792D59}"/>
+              </a:ext>
+            </a:extLst>
+          </p:cNvPr>
+          <p:cNvCxnSpPr>
+            <a:cxnSpLocks/>
+            <a:stCxn id="4" idx="2"/>
+          </p:cNvCxnSpPr>
+          <p:nvPr/>
+        </p:nvCxnSpPr>
+        <p:spPr>
+          <a:xfrm flipH="1">
+            <a:off x="5271755" y="2539427"/>
+            <a:ext cx="326433" cy="391723"/>
+          </a:xfrm>
+          <a:prstGeom prst="straightConnector1">
+            <a:avLst/>
+          </a:prstGeom>
+          <a:ln w="12700">
+            <a:solidFill>
+              <a:schemeClr val="tx1"/>
+            </a:solidFill>
+            <a:tailEnd type="oval"/>
+          </a:ln>
+        </p:spPr>
+        <p:style>
+          <a:lnRef idx="1">
+            <a:schemeClr val="accent1"/>
+          </a:lnRef>
+          <a:fillRef idx="0">
+            <a:schemeClr val="accent1"/>
+          </a:fillRef>
+          <a:effectRef idx="0">
+            <a:schemeClr val="accent1"/>
+          </a:effectRef>
+          <a:fontRef idx="minor">
+            <a:schemeClr val="tx1"/>
+          </a:fontRef>
+        </p:style>
+      </p:cxnSp>
+    </p:spTree>
+    <p:extLst>
+      <p:ext uri="{BB962C8B-B14F-4D97-AF65-F5344CB8AC3E}">
+        <p14:creationId xmlns:p14="http://schemas.microsoft.com/office/powerpoint/2010/main" val="187099383"/>
+      </p:ext>
+    </p:extLst>
+  </p:cSld>
+  <p:clrMapOvr>
+    <a:masterClrMapping/>
+  </p:clrMapOvr>
+</p:sld>
+</file>
+
+<file path=ppt/slides/slide4.xml><?xml version="1.0" encoding="utf-8"?>
+<p:sld xmlns:a="http://schemas.openxmlformats.org/drawingml/2006/main" xmlns:r="http://schemas.openxmlformats.org/officeDocument/2006/relationships" xmlns:p="http://schemas.openxmlformats.org/presentationml/2006/main">
+  <p:cSld>
+    <p:spTree>
+      <p:nvGrpSpPr>
+        <p:cNvPr id="1" name=""/>
+        <p:cNvGrpSpPr/>
+        <p:nvPr/>
+      </p:nvGrpSpPr>
+      <p:grpSpPr>
+        <a:xfrm>
+          <a:off x="0" y="0"/>
+          <a:ext cx="0" cy="0"/>
+          <a:chOff x="0" y="0"/>
+          <a:chExt cx="0" cy="0"/>
+        </a:xfrm>
+      </p:grpSpPr>
+      <p:pic>
+        <p:nvPicPr>
+          <p:cNvPr id="6" name="図 5">
+            <a:extLst>
+              <a:ext uri="{FF2B5EF4-FFF2-40B4-BE49-F238E27FC236}">
+                <a16:creationId xmlns:a16="http://schemas.microsoft.com/office/drawing/2014/main" id="{41685994-15FF-4B4C-8987-F6FC219B0F70}"/>
+              </a:ext>
+            </a:extLst>
+          </p:cNvPr>
+          <p:cNvPicPr>
+            <a:picLocks noChangeAspect="1"/>
+          </p:cNvPicPr>
+          <p:nvPr/>
+        </p:nvPicPr>
+        <p:blipFill>
+          <a:blip r:embed="rId2"/>
+          <a:stretch>
+            <a:fillRect/>
+          </a:stretch>
+        </p:blipFill>
+        <p:spPr>
+          <a:xfrm>
+            <a:off x="2506664" y="855988"/>
+            <a:ext cx="6531709" cy="4692627"/>
+          </a:xfrm>
+          <a:prstGeom prst="rect">
+            <a:avLst/>
+          </a:prstGeom>
+        </p:spPr>
+      </p:pic>
+      <p:sp>
+        <p:nvSpPr>
+          <p:cNvPr id="4" name="テキスト ボックス 3">
+            <a:extLst>
+              <a:ext uri="{FF2B5EF4-FFF2-40B4-BE49-F238E27FC236}">
+                <a16:creationId xmlns:a16="http://schemas.microsoft.com/office/drawing/2014/main" id="{91B1D504-D6CD-468F-B153-66B807E6984A}"/>
+              </a:ext>
+            </a:extLst>
+          </p:cNvPr>
+          <p:cNvSpPr txBox="1"/>
+          <p:nvPr/>
+        </p:nvSpPr>
+        <p:spPr>
+          <a:xfrm>
+            <a:off x="5320573" y="3429000"/>
+            <a:ext cx="2708591" cy="1409908"/>
+          </a:xfrm>
+          <a:prstGeom prst="rect">
+            <a:avLst/>
+          </a:prstGeom>
+          <a:solidFill>
+            <a:srgbClr val="FFFF00"/>
+          </a:solidFill>
+          <a:ln>
+            <a:solidFill>
+              <a:schemeClr val="tx1"/>
+            </a:solidFill>
+          </a:ln>
+        </p:spPr>
+        <p:txBody>
+          <a:bodyPr wrap="square" rtlCol="0">
+            <a:noAutofit/>
+          </a:bodyPr>
+          <a:lstStyle/>
+          <a:p>
+            <a:r>
+              <a:rPr lang="en-US" altLang="ja-JP" sz="907" dirty="0">
+                <a:latin typeface="ＭＳ Ｐゴシック" panose="020B0600070205080204" pitchFamily="50" charset="-128"/>
+                <a:ea typeface="ＭＳ Ｐゴシック" panose="020B0600070205080204" pitchFamily="50" charset="-128"/>
+                <a:cs typeface="Arial" panose="020B0604020202020204" pitchFamily="34" charset="0"/>
+              </a:rPr>
+              <a:t>Output: </a:t>
+            </a:r>
+          </a:p>
+          <a:p>
+            <a:r>
+              <a:rPr lang="en-US" altLang="ja-JP" sz="907" dirty="0">
+                <a:latin typeface="ＭＳ Ｐゴシック" panose="020B0600070205080204" pitchFamily="50" charset="-128"/>
+                <a:ea typeface="ＭＳ Ｐゴシック" panose="020B0600070205080204" pitchFamily="50" charset="-128"/>
+                <a:cs typeface="Arial" panose="020B0604020202020204" pitchFamily="34" charset="0"/>
+              </a:rPr>
+              <a:t>-. accumulated signal.</a:t>
+            </a:r>
+          </a:p>
+          <a:p>
+            <a:r>
+              <a:rPr lang="en-US" altLang="ja-JP" sz="907" dirty="0">
+                <a:latin typeface="ＭＳ Ｐゴシック" panose="020B0600070205080204" pitchFamily="50" charset="-128"/>
+                <a:ea typeface="ＭＳ Ｐゴシック" panose="020B0600070205080204" pitchFamily="50" charset="-128"/>
+                <a:cs typeface="Arial" panose="020B0604020202020204" pitchFamily="34" charset="0"/>
+              </a:rPr>
+              <a:t>-. Output signal increases as keyboard is pressed. </a:t>
+            </a:r>
+          </a:p>
+          <a:p>
+            <a:r>
+              <a:rPr lang="en-US" altLang="ja-JP" sz="907" dirty="0">
+                <a:latin typeface="ＭＳ Ｐゴシック" panose="020B0600070205080204" pitchFamily="50" charset="-128"/>
+                <a:ea typeface="ＭＳ Ｐゴシック" panose="020B0600070205080204" pitchFamily="50" charset="-128"/>
+                <a:cs typeface="Arial" panose="020B0604020202020204" pitchFamily="34" charset="0"/>
+              </a:rPr>
+              <a:t>-. How long the key is pressed does NOT affect on output signal.</a:t>
+            </a:r>
+          </a:p>
+          <a:p>
+            <a:r>
+              <a:rPr lang="en-US" altLang="ja-JP" sz="907" dirty="0">
+                <a:latin typeface="ＭＳ Ｐゴシック" panose="020B0600070205080204" pitchFamily="50" charset="-128"/>
+                <a:ea typeface="ＭＳ Ｐゴシック" panose="020B0600070205080204" pitchFamily="50" charset="-128"/>
+                <a:cs typeface="Arial" panose="020B0604020202020204" pitchFamily="34" charset="0"/>
+              </a:rPr>
+              <a:t>-. Output signal value began with 2 as set via parameter.</a:t>
+            </a:r>
+          </a:p>
+          <a:p>
+            <a:r>
+              <a:rPr lang="en-US" altLang="ja-JP" sz="907" dirty="0">
+                <a:latin typeface="ＭＳ Ｐゴシック" panose="020B0600070205080204" pitchFamily="50" charset="-128"/>
+                <a:ea typeface="ＭＳ Ｐゴシック" panose="020B0600070205080204" pitchFamily="50" charset="-128"/>
+                <a:cs typeface="Arial" panose="020B0604020202020204" pitchFamily="34" charset="0"/>
+              </a:rPr>
+              <a:t>-. Increments of output signal is 10 because scale factor is set 10.</a:t>
+            </a:r>
+          </a:p>
+        </p:txBody>
+      </p:sp>
+      <p:cxnSp>
+        <p:nvCxnSpPr>
+          <p:cNvPr id="5" name="直線矢印コネクタ 4">
+            <a:extLst>
+              <a:ext uri="{FF2B5EF4-FFF2-40B4-BE49-F238E27FC236}">
+                <a16:creationId xmlns:a16="http://schemas.microsoft.com/office/drawing/2014/main" id="{39A0D6C1-7BD3-4282-9918-9C1B64B0F023}"/>
+              </a:ext>
+            </a:extLst>
+          </p:cNvPr>
+          <p:cNvCxnSpPr>
+            <a:cxnSpLocks/>
+            <a:stCxn id="4" idx="1"/>
+          </p:cNvCxnSpPr>
+          <p:nvPr/>
+        </p:nvCxnSpPr>
+        <p:spPr>
+          <a:xfrm flipH="1" flipV="1">
+            <a:off x="4987231" y="3202302"/>
+            <a:ext cx="333342" cy="931652"/>
+          </a:xfrm>
+          <a:prstGeom prst="straightConnector1">
+            <a:avLst/>
+          </a:prstGeom>
+          <a:ln w="12700">
+            <a:solidFill>
+              <a:schemeClr val="tx1"/>
+            </a:solidFill>
+            <a:tailEnd type="oval"/>
+          </a:ln>
+        </p:spPr>
+        <p:style>
+          <a:lnRef idx="1">
+            <a:schemeClr val="accent1"/>
+          </a:lnRef>
+          <a:fillRef idx="0">
+            <a:schemeClr val="accent1"/>
+          </a:fillRef>
+          <a:effectRef idx="0">
+            <a:schemeClr val="accent1"/>
+          </a:effectRef>
+          <a:fontRef idx="minor">
+            <a:schemeClr val="tx1"/>
+          </a:fontRef>
+        </p:style>
+      </p:cxnSp>
+    </p:spTree>
+    <p:extLst>
+      <p:ext uri="{BB962C8B-B14F-4D97-AF65-F5344CB8AC3E}">
+        <p14:creationId xmlns:p14="http://schemas.microsoft.com/office/powerpoint/2010/main" val="430179027"/>
+      </p:ext>
+    </p:extLst>
+  </p:cSld>
+  <p:clrMapOvr>
+    <a:masterClrMapping/>
+  </p:clrMapOvr>
+</p:sld>
+</file>
+
+<file path=ppt/slides/slide5.xml><?xml version="1.0" encoding="utf-8"?>
+<p:sld xmlns:a="http://schemas.openxmlformats.org/drawingml/2006/main" xmlns:r="http://schemas.openxmlformats.org/officeDocument/2006/relationships" xmlns:p="http://schemas.openxmlformats.org/presentationml/2006/main">
+  <p:cSld>
+    <p:spTree>
+      <p:nvGrpSpPr>
+        <p:cNvPr id="1" name=""/>
+        <p:cNvGrpSpPr/>
+        <p:nvPr/>
+      </p:nvGrpSpPr>
+      <p:grpSpPr>
+        <a:xfrm>
+          <a:off x="0" y="0"/>
+          <a:ext cx="0" cy="0"/>
+          <a:chOff x="0" y="0"/>
+          <a:chExt cx="0" cy="0"/>
+        </a:xfrm>
+      </p:grpSpPr>
+      <p:pic>
+        <p:nvPicPr>
+          <p:cNvPr id="9" name="図 8">
+            <a:extLst>
+              <a:ext uri="{FF2B5EF4-FFF2-40B4-BE49-F238E27FC236}">
+                <a16:creationId xmlns:a16="http://schemas.microsoft.com/office/drawing/2014/main" id="{17032F12-715D-4AC8-BD8E-507710031A78}"/>
+              </a:ext>
+            </a:extLst>
+          </p:cNvPr>
+          <p:cNvPicPr>
+            <a:picLocks noChangeAspect="1"/>
+          </p:cNvPicPr>
+          <p:nvPr/>
+        </p:nvPicPr>
+        <p:blipFill>
+          <a:blip r:embed="rId2"/>
+          <a:stretch>
+            <a:fillRect/>
+          </a:stretch>
+        </p:blipFill>
+        <p:spPr>
+          <a:xfrm>
+            <a:off x="3873738" y="1591333"/>
+            <a:ext cx="4429164" cy="3444905"/>
+          </a:xfrm>
+          <a:prstGeom prst="rect">
+            <a:avLst/>
+          </a:prstGeom>
+        </p:spPr>
+      </p:pic>
+      <p:sp>
+        <p:nvSpPr>
+          <p:cNvPr id="2" name="テキスト ボックス 1">
+            <a:extLst>
+              <a:ext uri="{FF2B5EF4-FFF2-40B4-BE49-F238E27FC236}">
+                <a16:creationId xmlns:a16="http://schemas.microsoft.com/office/drawing/2014/main" id="{70B790A2-AC3A-4718-8297-727C17AEF059}"/>
+              </a:ext>
+            </a:extLst>
+          </p:cNvPr>
+          <p:cNvSpPr txBox="1"/>
+          <p:nvPr/>
+        </p:nvSpPr>
+        <p:spPr>
+          <a:xfrm>
+            <a:off x="3558324" y="4250040"/>
+            <a:ext cx="1567495" cy="489018"/>
+          </a:xfrm>
+          <a:prstGeom prst="rect">
+            <a:avLst/>
+          </a:prstGeom>
+          <a:solidFill>
+            <a:srgbClr val="92D050">
+              <a:alpha val="80000"/>
+            </a:srgbClr>
+          </a:solidFill>
+          <a:ln>
+            <a:solidFill>
+              <a:schemeClr val="tx1"/>
+            </a:solidFill>
+          </a:ln>
+        </p:spPr>
+        <p:txBody>
+          <a:bodyPr wrap="square" rtlCol="0">
+            <a:noAutofit/>
+          </a:bodyPr>
+          <a:lstStyle/>
+          <a:p>
+            <a:r>
+              <a:rPr lang="en-US" altLang="ja-JP" sz="907" dirty="0">
+                <a:latin typeface="ＭＳ Ｐゴシック" panose="020B0600070205080204" pitchFamily="50" charset="-128"/>
+                <a:ea typeface="ＭＳ Ｐゴシック" panose="020B0600070205080204" pitchFamily="50" charset="-128"/>
+                <a:cs typeface="Arial" panose="020B0604020202020204" pitchFamily="34" charset="0"/>
+              </a:rPr>
+              <a:t>Receive Boolean signal of digital input.</a:t>
+            </a:r>
+          </a:p>
+        </p:txBody>
+      </p:sp>
+      <p:cxnSp>
+        <p:nvCxnSpPr>
+          <p:cNvPr id="3" name="直線矢印コネクタ 2">
+            <a:extLst>
+              <a:ext uri="{FF2B5EF4-FFF2-40B4-BE49-F238E27FC236}">
+                <a16:creationId xmlns:a16="http://schemas.microsoft.com/office/drawing/2014/main" id="{CBF67B0D-53A9-49D0-8158-880C3AA8C89A}"/>
+              </a:ext>
+            </a:extLst>
+          </p:cNvPr>
+          <p:cNvCxnSpPr>
+            <a:cxnSpLocks/>
+            <a:stCxn id="2" idx="0"/>
+          </p:cNvCxnSpPr>
+          <p:nvPr/>
+        </p:nvCxnSpPr>
+        <p:spPr>
+          <a:xfrm flipH="1" flipV="1">
+            <a:off x="4150357" y="3429000"/>
+            <a:ext cx="191715" cy="821039"/>
+          </a:xfrm>
+          <a:prstGeom prst="straightConnector1">
+            <a:avLst/>
+          </a:prstGeom>
+          <a:ln w="12700">
+            <a:solidFill>
+              <a:srgbClr val="00B050"/>
+            </a:solidFill>
+            <a:tailEnd type="oval"/>
+          </a:ln>
+        </p:spPr>
+        <p:style>
+          <a:lnRef idx="1">
+            <a:schemeClr val="accent1"/>
+          </a:lnRef>
+          <a:fillRef idx="0">
+            <a:schemeClr val="accent1"/>
+          </a:fillRef>
+          <a:effectRef idx="0">
+            <a:schemeClr val="accent1"/>
+          </a:effectRef>
+          <a:fontRef idx="minor">
+            <a:schemeClr val="tx1"/>
+          </a:fontRef>
+        </p:style>
+      </p:cxnSp>
+      <p:sp>
+        <p:nvSpPr>
+          <p:cNvPr id="4" name="テキスト ボックス 3">
+            <a:extLst>
+              <a:ext uri="{FF2B5EF4-FFF2-40B4-BE49-F238E27FC236}">
+                <a16:creationId xmlns:a16="http://schemas.microsoft.com/office/drawing/2014/main" id="{6FE535CB-53EC-405A-A6C6-07C13A489D9F}"/>
+              </a:ext>
+            </a:extLst>
+          </p:cNvPr>
+          <p:cNvSpPr txBox="1"/>
+          <p:nvPr/>
+        </p:nvSpPr>
+        <p:spPr>
+          <a:xfrm>
+            <a:off x="6800235" y="4087155"/>
+            <a:ext cx="2457857" cy="1274049"/>
+          </a:xfrm>
+          <a:prstGeom prst="rect">
+            <a:avLst/>
+          </a:prstGeom>
+          <a:solidFill>
+            <a:srgbClr val="92D050">
+              <a:alpha val="80000"/>
+            </a:srgbClr>
+          </a:solidFill>
+          <a:ln>
+            <a:solidFill>
+              <a:schemeClr val="tx1"/>
+            </a:solidFill>
+          </a:ln>
+        </p:spPr>
+        <p:txBody>
+          <a:bodyPr wrap="square" rtlCol="0">
+            <a:noAutofit/>
+          </a:bodyPr>
+          <a:lstStyle/>
+          <a:p>
+            <a:r>
+              <a:rPr lang="en-US" altLang="ja-JP" sz="907" dirty="0">
+                <a:latin typeface="ＭＳ Ｐゴシック" panose="020B0600070205080204" pitchFamily="50" charset="-128"/>
+                <a:ea typeface="ＭＳ Ｐゴシック" panose="020B0600070205080204" pitchFamily="50" charset="-128"/>
+                <a:cs typeface="Arial" panose="020B0604020202020204" pitchFamily="34" charset="0"/>
+              </a:rPr>
+              <a:t>-. accumulate digital signal received and output.</a:t>
+            </a:r>
+          </a:p>
+          <a:p>
+            <a:r>
+              <a:rPr lang="en-US" altLang="ja-JP" sz="907" dirty="0">
+                <a:latin typeface="ＭＳ Ｐゴシック" panose="020B0600070205080204" pitchFamily="50" charset="-128"/>
+                <a:ea typeface="ＭＳ Ｐゴシック" panose="020B0600070205080204" pitchFamily="50" charset="-128"/>
+                <a:cs typeface="Arial" panose="020B0604020202020204" pitchFamily="34" charset="0"/>
+              </a:rPr>
+              <a:t>-. Increase of output signal is determined by how many times true signal is received, NOT by how long true signal is maintained.</a:t>
+            </a:r>
+          </a:p>
+          <a:p>
+            <a:r>
+              <a:rPr lang="en-US" altLang="ja-JP" sz="907" dirty="0">
+                <a:latin typeface="ＭＳ Ｐゴシック" panose="020B0600070205080204" pitchFamily="50" charset="-128"/>
+                <a:ea typeface="ＭＳ Ｐゴシック" panose="020B0600070205080204" pitchFamily="50" charset="-128"/>
+                <a:cs typeface="Arial" panose="020B0604020202020204" pitchFamily="34" charset="0"/>
+              </a:rPr>
+              <a:t>-. Output signal can be scaled by parameter setting for control of large values.</a:t>
+            </a:r>
+          </a:p>
+          <a:p>
+            <a:r>
+              <a:rPr lang="en-US" altLang="ja-JP" sz="907" dirty="0">
+                <a:latin typeface="ＭＳ Ｐゴシック" panose="020B0600070205080204" pitchFamily="50" charset="-128"/>
+                <a:ea typeface="ＭＳ Ｐゴシック" panose="020B0600070205080204" pitchFamily="50" charset="-128"/>
+                <a:cs typeface="Arial" panose="020B0604020202020204" pitchFamily="34" charset="0"/>
+              </a:rPr>
+              <a:t>-. Output signal can be start with desired value set via parameter.</a:t>
+            </a:r>
+          </a:p>
+        </p:txBody>
+      </p:sp>
+      <p:cxnSp>
+        <p:nvCxnSpPr>
+          <p:cNvPr id="5" name="直線矢印コネクタ 4">
+            <a:extLst>
+              <a:ext uri="{FF2B5EF4-FFF2-40B4-BE49-F238E27FC236}">
+                <a16:creationId xmlns:a16="http://schemas.microsoft.com/office/drawing/2014/main" id="{48A7B520-A01D-4235-833A-0DF2D68EB20B}"/>
+              </a:ext>
+            </a:extLst>
+          </p:cNvPr>
+          <p:cNvCxnSpPr>
+            <a:cxnSpLocks/>
+            <a:stCxn id="4" idx="0"/>
+          </p:cNvCxnSpPr>
+          <p:nvPr/>
+        </p:nvCxnSpPr>
+        <p:spPr>
+          <a:xfrm flipH="1" flipV="1">
+            <a:off x="7983324" y="3404935"/>
+            <a:ext cx="45840" cy="682219"/>
+          </a:xfrm>
+          <a:prstGeom prst="straightConnector1">
+            <a:avLst/>
+          </a:prstGeom>
+          <a:ln w="12700">
+            <a:solidFill>
+              <a:srgbClr val="00B050"/>
+            </a:solidFill>
+            <a:tailEnd type="oval"/>
+          </a:ln>
+        </p:spPr>
+        <p:style>
+          <a:lnRef idx="1">
+            <a:schemeClr val="accent1"/>
+          </a:lnRef>
+          <a:fillRef idx="0">
+            <a:schemeClr val="accent1"/>
+          </a:fillRef>
+          <a:effectRef idx="0">
+            <a:schemeClr val="accent1"/>
+          </a:effectRef>
+          <a:fontRef idx="minor">
+            <a:schemeClr val="tx1"/>
+          </a:fontRef>
+        </p:style>
+      </p:cxnSp>
+    </p:spTree>
+  </p:cSld>
+  <p:clrMapOvr>
+    <a:masterClrMapping/>
+  </p:clrMapOvr>
+</p:sld>
+</file>
+
+<file path=ppt/slides/slide6.xml><?xml version="1.0" encoding="utf-8"?>
+<p:sld xmlns:a="http://schemas.openxmlformats.org/drawingml/2006/main" xmlns:r="http://schemas.openxmlformats.org/officeDocument/2006/relationships" xmlns:p="http://schemas.openxmlformats.org/presentationml/2006/main">
+  <p:cSld>
+    <p:spTree>
+      <p:nvGrpSpPr>
+        <p:cNvPr id="1" name=""/>
+        <p:cNvGrpSpPr/>
+        <p:nvPr/>
+      </p:nvGrpSpPr>
+      <p:grpSpPr>
+        <a:xfrm>
+          <a:off x="0" y="0"/>
+          <a:ext cx="0" cy="0"/>
+          <a:chOff x="0" y="0"/>
+          <a:chExt cx="0" cy="0"/>
+        </a:xfrm>
+      </p:grpSpPr>
+      <p:pic>
+        <p:nvPicPr>
+          <p:cNvPr id="6" name="図 5">
+            <a:extLst>
+              <a:ext uri="{FF2B5EF4-FFF2-40B4-BE49-F238E27FC236}">
+                <a16:creationId xmlns:a16="http://schemas.microsoft.com/office/drawing/2014/main" id="{98BE5150-5B69-4682-B850-F43805FB9BE7}"/>
+              </a:ext>
+            </a:extLst>
+          </p:cNvPr>
+          <p:cNvPicPr>
+            <a:picLocks noChangeAspect="1"/>
+          </p:cNvPicPr>
+          <p:nvPr/>
+        </p:nvPicPr>
+        <p:blipFill rotWithShape="1">
+          <a:blip r:embed="rId2"/>
+          <a:srcRect r="8021" b="42044"/>
+          <a:stretch/>
+        </p:blipFill>
+        <p:spPr>
+          <a:xfrm>
+            <a:off x="3973947" y="2087988"/>
+            <a:ext cx="3663496" cy="2293348"/>
+          </a:xfrm>
+          <a:prstGeom prst="rect">
+            <a:avLst/>
+          </a:prstGeom>
+        </p:spPr>
+      </p:pic>
+      <p:sp>
+        <p:nvSpPr>
+          <p:cNvPr id="2" name="テキスト ボックス 1">
+            <a:extLst>
+              <a:ext uri="{FF2B5EF4-FFF2-40B4-BE49-F238E27FC236}">
+                <a16:creationId xmlns:a16="http://schemas.microsoft.com/office/drawing/2014/main" id="{10EFA146-2CD5-41D8-B189-2ABB5DECF1CE}"/>
+              </a:ext>
+            </a:extLst>
+          </p:cNvPr>
+          <p:cNvSpPr txBox="1"/>
+          <p:nvPr/>
+        </p:nvSpPr>
+        <p:spPr>
+          <a:xfrm>
+            <a:off x="3643423" y="3794318"/>
+            <a:ext cx="1791451" cy="691273"/>
+          </a:xfrm>
+          <a:prstGeom prst="rect">
+            <a:avLst/>
+          </a:prstGeom>
+          <a:solidFill>
+            <a:srgbClr val="92D050">
+              <a:alpha val="80000"/>
+            </a:srgbClr>
+          </a:solidFill>
+          <a:ln>
+            <a:solidFill>
+              <a:schemeClr val="tx1"/>
+            </a:solidFill>
+          </a:ln>
+        </p:spPr>
+        <p:txBody>
+          <a:bodyPr wrap="square" rtlCol="0">
+            <a:noAutofit/>
+          </a:bodyPr>
+          <a:lstStyle/>
+          <a:p>
+            <a:r>
+              <a:rPr lang="en-US" altLang="ja-JP" sz="907" dirty="0">
+                <a:latin typeface="ＭＳ Ｐゴシック" panose="020B0600070205080204" pitchFamily="50" charset="-128"/>
+                <a:ea typeface="ＭＳ Ｐゴシック" panose="020B0600070205080204" pitchFamily="50" charset="-128"/>
+                <a:cs typeface="Arial" panose="020B0604020202020204" pitchFamily="34" charset="0"/>
+              </a:rPr>
+              <a:t>It is assumed to be deployed together with </a:t>
+            </a:r>
+            <a:r>
+              <a:rPr lang="en-US" altLang="ja-JP" sz="907" dirty="0" err="1">
+                <a:latin typeface="ＭＳ Ｐゴシック" panose="020B0600070205080204" pitchFamily="50" charset="-128"/>
+                <a:ea typeface="ＭＳ Ｐゴシック" panose="020B0600070205080204" pitchFamily="50" charset="-128"/>
+                <a:cs typeface="Arial" panose="020B0604020202020204" pitchFamily="34" charset="0"/>
+              </a:rPr>
+              <a:t>keybordInput</a:t>
+            </a:r>
+            <a:r>
+              <a:rPr lang="en-US" altLang="ja-JP" sz="907" dirty="0">
+                <a:latin typeface="ＭＳ Ｐゴシック" panose="020B0600070205080204" pitchFamily="50" charset="-128"/>
+                <a:ea typeface="ＭＳ Ｐゴシック" panose="020B0600070205080204" pitchFamily="50" charset="-128"/>
+                <a:cs typeface="Arial" panose="020B0604020202020204" pitchFamily="34" charset="0"/>
+              </a:rPr>
+              <a:t> component of </a:t>
+            </a:r>
+            <a:r>
+              <a:rPr lang="en-US" altLang="ja-JP" sz="907" dirty="0" err="1">
+                <a:latin typeface="ＭＳ Ｐゴシック" panose="020B0600070205080204" pitchFamily="50" charset="-128"/>
+                <a:ea typeface="ＭＳ Ｐゴシック" panose="020B0600070205080204" pitchFamily="50" charset="-128"/>
+                <a:cs typeface="Arial" panose="020B0604020202020204" pitchFamily="34" charset="0"/>
+              </a:rPr>
+              <a:t>Modelica_DeviceDrivers</a:t>
+            </a:r>
+            <a:r>
+              <a:rPr lang="en-US" altLang="ja-JP" sz="907" dirty="0">
+                <a:latin typeface="ＭＳ Ｐゴシック" panose="020B0600070205080204" pitchFamily="50" charset="-128"/>
+                <a:ea typeface="ＭＳ Ｐゴシック" panose="020B0600070205080204" pitchFamily="50" charset="-128"/>
+                <a:cs typeface="Arial" panose="020B0604020202020204" pitchFamily="34" charset="0"/>
+              </a:rPr>
+              <a:t> library.</a:t>
+            </a:r>
+          </a:p>
+        </p:txBody>
+      </p:sp>
+      <p:cxnSp>
+        <p:nvCxnSpPr>
+          <p:cNvPr id="3" name="直線矢印コネクタ 2">
+            <a:extLst>
+              <a:ext uri="{FF2B5EF4-FFF2-40B4-BE49-F238E27FC236}">
+                <a16:creationId xmlns:a16="http://schemas.microsoft.com/office/drawing/2014/main" id="{3E9365B0-5029-45CD-8B6D-4F405919CBC4}"/>
+              </a:ext>
+            </a:extLst>
+          </p:cNvPr>
+          <p:cNvCxnSpPr>
+            <a:cxnSpLocks/>
+            <a:stCxn id="2" idx="3"/>
+          </p:cNvCxnSpPr>
+          <p:nvPr/>
+        </p:nvCxnSpPr>
+        <p:spPr>
+          <a:xfrm flipV="1">
+            <a:off x="5434874" y="3794319"/>
+            <a:ext cx="267005" cy="345636"/>
+          </a:xfrm>
+          <a:prstGeom prst="straightConnector1">
+            <a:avLst/>
+          </a:prstGeom>
+          <a:ln w="12700">
+            <a:solidFill>
+              <a:srgbClr val="00B050"/>
+            </a:solidFill>
+            <a:tailEnd type="oval"/>
+          </a:ln>
+        </p:spPr>
+        <p:style>
+          <a:lnRef idx="1">
+            <a:schemeClr val="accent1"/>
+          </a:lnRef>
+          <a:fillRef idx="0">
+            <a:schemeClr val="accent1"/>
+          </a:fillRef>
+          <a:effectRef idx="0">
+            <a:schemeClr val="accent1"/>
+          </a:effectRef>
+          <a:fontRef idx="minor">
+            <a:schemeClr val="tx1"/>
+          </a:fontRef>
+        </p:style>
+      </p:cxnSp>
+      <p:cxnSp>
+        <p:nvCxnSpPr>
+          <p:cNvPr id="4" name="直線矢印コネクタ 3">
+            <a:extLst>
+              <a:ext uri="{FF2B5EF4-FFF2-40B4-BE49-F238E27FC236}">
+                <a16:creationId xmlns:a16="http://schemas.microsoft.com/office/drawing/2014/main" id="{D0A87462-2C12-441C-9615-1D1A6FD668B7}"/>
+              </a:ext>
+            </a:extLst>
+          </p:cNvPr>
+          <p:cNvCxnSpPr>
+            <a:cxnSpLocks/>
+            <a:stCxn id="2" idx="3"/>
+          </p:cNvCxnSpPr>
+          <p:nvPr/>
+        </p:nvCxnSpPr>
+        <p:spPr>
+          <a:xfrm>
+            <a:off x="5434875" y="4139955"/>
+            <a:ext cx="1204063" cy="50491"/>
+          </a:xfrm>
+          <a:prstGeom prst="straightConnector1">
+            <a:avLst/>
+          </a:prstGeom>
+          <a:ln w="12700">
+            <a:solidFill>
+              <a:srgbClr val="00B050"/>
+            </a:solidFill>
+            <a:tailEnd type="oval"/>
+          </a:ln>
+        </p:spPr>
+        <p:style>
+          <a:lnRef idx="1">
+            <a:schemeClr val="accent1"/>
+          </a:lnRef>
+          <a:fillRef idx="0">
+            <a:schemeClr val="accent1"/>
+          </a:fillRef>
+          <a:effectRef idx="0">
+            <a:schemeClr val="accent1"/>
+          </a:effectRef>
+          <a:fontRef idx="minor">
+            <a:schemeClr val="tx1"/>
+          </a:fontRef>
+        </p:style>
+      </p:cxnSp>
+    </p:spTree>
+    <p:extLst>
+      <p:ext uri="{BB962C8B-B14F-4D97-AF65-F5344CB8AC3E}">
+        <p14:creationId xmlns:p14="http://schemas.microsoft.com/office/powerpoint/2010/main" val="3067681443"/>
+      </p:ext>
+    </p:extLst>
+  </p:cSld>
+  <p:clrMapOvr>
+    <a:masterClrMapping/>
+  </p:clrMapOvr>
+</p:sld>
+</file>
+
+<file path=ppt/slides/slide7.xml><?xml version="1.0" encoding="utf-8"?>
+<p:sld xmlns:a="http://schemas.openxmlformats.org/drawingml/2006/main" xmlns:r="http://schemas.openxmlformats.org/officeDocument/2006/relationships" xmlns:p="http://schemas.openxmlformats.org/presentationml/2006/main">
+  <p:cSld>
+    <p:spTree>
+      <p:nvGrpSpPr>
+        <p:cNvPr id="1" name=""/>
+        <p:cNvGrpSpPr/>
+        <p:nvPr/>
+      </p:nvGrpSpPr>
+      <p:grpSpPr>
+        <a:xfrm>
+          <a:off x="0" y="0"/>
+          <a:ext cx="0" cy="0"/>
+          <a:chOff x="0" y="0"/>
+          <a:chExt cx="0" cy="0"/>
+        </a:xfrm>
+      </p:grpSpPr>
+      <p:pic>
+        <p:nvPicPr>
+          <p:cNvPr id="5" name="図 4">
+            <a:extLst>
+              <a:ext uri="{FF2B5EF4-FFF2-40B4-BE49-F238E27FC236}">
+                <a16:creationId xmlns:a16="http://schemas.microsoft.com/office/drawing/2014/main" id="{8546E02F-F51B-4820-9C6D-6D66B6EE203B}"/>
+              </a:ext>
+            </a:extLst>
+          </p:cNvPr>
+          <p:cNvPicPr>
+            <a:picLocks noChangeAspect="1"/>
+          </p:cNvPicPr>
+          <p:nvPr/>
+        </p:nvPicPr>
+        <p:blipFill>
+          <a:blip r:embed="rId2"/>
+          <a:stretch>
+            <a:fillRect/>
+          </a:stretch>
+        </p:blipFill>
+        <p:spPr>
+          <a:xfrm>
+            <a:off x="3005917" y="731758"/>
+            <a:ext cx="6531709" cy="4708768"/>
+          </a:xfrm>
+          <a:prstGeom prst="rect">
+            <a:avLst/>
+          </a:prstGeom>
+        </p:spPr>
+      </p:pic>
+      <p:sp>
+        <p:nvSpPr>
+          <p:cNvPr id="2" name="テキスト ボックス 1">
+            <a:extLst>
+              <a:ext uri="{FF2B5EF4-FFF2-40B4-BE49-F238E27FC236}">
+                <a16:creationId xmlns:a16="http://schemas.microsoft.com/office/drawing/2014/main" id="{E5A57308-7D92-4B7F-8F11-165EBADF287E}"/>
+              </a:ext>
+            </a:extLst>
+          </p:cNvPr>
+          <p:cNvSpPr txBox="1"/>
+          <p:nvPr/>
+        </p:nvSpPr>
+        <p:spPr>
+          <a:xfrm>
+            <a:off x="4603524" y="1989329"/>
+            <a:ext cx="2742048" cy="550098"/>
+          </a:xfrm>
+          <a:prstGeom prst="rect">
+            <a:avLst/>
+          </a:prstGeom>
+          <a:solidFill>
+            <a:schemeClr val="accent5">
+              <a:lumMod val="40000"/>
+              <a:lumOff val="60000"/>
+            </a:schemeClr>
+          </a:solidFill>
+          <a:ln>
+            <a:solidFill>
+              <a:schemeClr val="tx1"/>
+            </a:solidFill>
+          </a:ln>
+        </p:spPr>
+        <p:txBody>
+          <a:bodyPr wrap="square" rtlCol="0">
+            <a:noAutofit/>
+          </a:bodyPr>
+          <a:lstStyle/>
+          <a:p>
+            <a:r>
+              <a:rPr lang="en-US" altLang="ja-JP" sz="907" dirty="0">
+                <a:latin typeface="ＭＳ Ｐゴシック" panose="020B0600070205080204" pitchFamily="50" charset="-128"/>
+                <a:ea typeface="ＭＳ Ｐゴシック" panose="020B0600070205080204" pitchFamily="50" charset="-128"/>
+                <a:cs typeface="Arial" panose="020B0604020202020204" pitchFamily="34" charset="0"/>
+              </a:rPr>
+              <a:t>Input: </a:t>
+            </a:r>
+          </a:p>
+          <a:p>
+            <a:r>
+              <a:rPr lang="en-US" altLang="ja-JP" sz="907" dirty="0">
+                <a:latin typeface="ＭＳ Ｐゴシック" panose="020B0600070205080204" pitchFamily="50" charset="-128"/>
+                <a:ea typeface="ＭＳ Ｐゴシック" panose="020B0600070205080204" pitchFamily="50" charset="-128"/>
+                <a:cs typeface="Arial" panose="020B0604020202020204" pitchFamily="34" charset="0"/>
+              </a:rPr>
+              <a:t>-. </a:t>
+            </a:r>
+            <a:r>
+              <a:rPr lang="en-US" altLang="ja-JP" sz="907" dirty="0" err="1">
+                <a:latin typeface="ＭＳ Ｐゴシック" panose="020B0600070205080204" pitchFamily="50" charset="-128"/>
+                <a:ea typeface="ＭＳ Ｐゴシック" panose="020B0600070205080204" pitchFamily="50" charset="-128"/>
+                <a:cs typeface="Arial" panose="020B0604020202020204" pitchFamily="34" charset="0"/>
+              </a:rPr>
+              <a:t>Beelean</a:t>
+            </a:r>
+            <a:r>
+              <a:rPr lang="en-US" altLang="ja-JP" sz="907" dirty="0">
+                <a:latin typeface="ＭＳ Ｐゴシック" panose="020B0600070205080204" pitchFamily="50" charset="-128"/>
+                <a:ea typeface="ＭＳ Ｐゴシック" panose="020B0600070205080204" pitchFamily="50" charset="-128"/>
+                <a:cs typeface="Arial" panose="020B0604020202020204" pitchFamily="34" charset="0"/>
+              </a:rPr>
+              <a:t> signal which represent </a:t>
+            </a:r>
+            <a:r>
+              <a:rPr lang="en-US" altLang="ja-JP" sz="907" dirty="0" err="1">
+                <a:latin typeface="ＭＳ Ｐゴシック" panose="020B0600070205080204" pitchFamily="50" charset="-128"/>
+                <a:ea typeface="ＭＳ Ｐゴシック" panose="020B0600070205080204" pitchFamily="50" charset="-128"/>
+                <a:cs typeface="Arial" panose="020B0604020202020204" pitchFamily="34" charset="0"/>
+              </a:rPr>
+              <a:t>keybord</a:t>
+            </a:r>
+            <a:r>
+              <a:rPr lang="en-US" altLang="ja-JP" sz="907" dirty="0">
+                <a:latin typeface="ＭＳ Ｐゴシック" panose="020B0600070205080204" pitchFamily="50" charset="-128"/>
+                <a:ea typeface="ＭＳ Ｐゴシック" panose="020B0600070205080204" pitchFamily="50" charset="-128"/>
+                <a:cs typeface="Arial" panose="020B0604020202020204" pitchFamily="34" charset="0"/>
+              </a:rPr>
+              <a:t> </a:t>
+            </a:r>
+            <a:r>
+              <a:rPr lang="en-US" altLang="ja-JP" sz="907" dirty="0" err="1">
+                <a:latin typeface="ＭＳ Ｐゴシック" panose="020B0600070205080204" pitchFamily="50" charset="-128"/>
+                <a:ea typeface="ＭＳ Ｐゴシック" panose="020B0600070205080204" pitchFamily="50" charset="-128"/>
+                <a:cs typeface="Arial" panose="020B0604020202020204" pitchFamily="34" charset="0"/>
+              </a:rPr>
+              <a:t>inout</a:t>
+            </a:r>
+            <a:r>
+              <a:rPr lang="en-US" altLang="ja-JP" sz="907" dirty="0">
+                <a:latin typeface="ＭＳ Ｐゴシック" panose="020B0600070205080204" pitchFamily="50" charset="-128"/>
+                <a:ea typeface="ＭＳ Ｐゴシック" panose="020B0600070205080204" pitchFamily="50" charset="-128"/>
+                <a:cs typeface="Arial" panose="020B0604020202020204" pitchFamily="34" charset="0"/>
+              </a:rPr>
+              <a:t>.</a:t>
+            </a:r>
+          </a:p>
+          <a:p>
+            <a:r>
+              <a:rPr lang="en-US" altLang="ja-JP" sz="907" dirty="0">
+                <a:latin typeface="ＭＳ Ｐゴシック" panose="020B0600070205080204" pitchFamily="50" charset="-128"/>
+                <a:ea typeface="ＭＳ Ｐゴシック" panose="020B0600070205080204" pitchFamily="50" charset="-128"/>
+                <a:cs typeface="Arial" panose="020B0604020202020204" pitchFamily="34" charset="0"/>
+              </a:rPr>
+              <a:t>-.”1” </a:t>
+            </a:r>
+            <a:r>
+              <a:rPr lang="en-US" altLang="ja-JP" sz="907" dirty="0" err="1">
+                <a:latin typeface="ＭＳ Ｐゴシック" panose="020B0600070205080204" pitchFamily="50" charset="-128"/>
+                <a:ea typeface="ＭＳ Ｐゴシック" panose="020B0600070205080204" pitchFamily="50" charset="-128"/>
+                <a:cs typeface="Arial" panose="020B0604020202020204" pitchFamily="34" charset="0"/>
+              </a:rPr>
+              <a:t>represenets</a:t>
+            </a:r>
+            <a:r>
+              <a:rPr lang="en-US" altLang="ja-JP" sz="907" dirty="0">
+                <a:latin typeface="ＭＳ Ｐゴシック" panose="020B0600070205080204" pitchFamily="50" charset="-128"/>
+                <a:ea typeface="ＭＳ Ｐゴシック" panose="020B0600070205080204" pitchFamily="50" charset="-128"/>
+                <a:cs typeface="Arial" panose="020B0604020202020204" pitchFamily="34" charset="0"/>
+              </a:rPr>
+              <a:t> “pressed”.</a:t>
+            </a:r>
+            <a:endParaRPr lang="ja-JP" altLang="en-US" sz="907" dirty="0">
+              <a:latin typeface="ＭＳ Ｐゴシック" panose="020B0600070205080204" pitchFamily="50" charset="-128"/>
+              <a:ea typeface="ＭＳ Ｐゴシック" panose="020B0600070205080204" pitchFamily="50" charset="-128"/>
+              <a:cs typeface="Arial" panose="020B0604020202020204" pitchFamily="34" charset="0"/>
+            </a:endParaRPr>
+          </a:p>
+        </p:txBody>
+      </p:sp>
+      <p:cxnSp>
+        <p:nvCxnSpPr>
+          <p:cNvPr id="3" name="直線矢印コネクタ 2">
+            <a:extLst>
+              <a:ext uri="{FF2B5EF4-FFF2-40B4-BE49-F238E27FC236}">
+                <a16:creationId xmlns:a16="http://schemas.microsoft.com/office/drawing/2014/main" id="{6CDD3FD3-EA9A-419D-BE0B-18CA2F449451}"/>
+              </a:ext>
+            </a:extLst>
+          </p:cNvPr>
+          <p:cNvCxnSpPr>
+            <a:cxnSpLocks/>
+            <a:stCxn id="2" idx="2"/>
+          </p:cNvCxnSpPr>
+          <p:nvPr/>
+        </p:nvCxnSpPr>
+        <p:spPr>
+          <a:xfrm flipH="1">
+            <a:off x="5648115" y="2539427"/>
+            <a:ext cx="326433" cy="391723"/>
+          </a:xfrm>
+          <a:prstGeom prst="straightConnector1">
+            <a:avLst/>
+          </a:prstGeom>
+          <a:ln w="12700">
+            <a:solidFill>
+              <a:schemeClr val="tx1"/>
+            </a:solidFill>
+            <a:tailEnd type="oval"/>
+          </a:ln>
+        </p:spPr>
+        <p:style>
+          <a:lnRef idx="1">
+            <a:schemeClr val="accent1"/>
+          </a:lnRef>
+          <a:fillRef idx="0">
+            <a:schemeClr val="accent1"/>
+          </a:fillRef>
+          <a:effectRef idx="0">
+            <a:schemeClr val="accent1"/>
+          </a:effectRef>
+          <a:fontRef idx="minor">
+            <a:schemeClr val="tx1"/>
+          </a:fontRef>
+        </p:style>
+      </p:cxnSp>
+    </p:spTree>
+    <p:extLst>
+      <p:ext uri="{BB962C8B-B14F-4D97-AF65-F5344CB8AC3E}">
+        <p14:creationId xmlns:p14="http://schemas.microsoft.com/office/powerpoint/2010/main" val="1158421010"/>
+      </p:ext>
+    </p:extLst>
+  </p:cSld>
+  <p:clrMapOvr>
+    <a:masterClrMapping/>
+  </p:clrMapOvr>
+</p:sld>
+</file>
+
+<file path=ppt/slides/slide8.xml><?xml version="1.0" encoding="utf-8"?>
+<p:sld xmlns:a="http://schemas.openxmlformats.org/drawingml/2006/main" xmlns:r="http://schemas.openxmlformats.org/officeDocument/2006/relationships" xmlns:p="http://schemas.openxmlformats.org/presentationml/2006/main">
+  <p:cSld>
+    <p:spTree>
+      <p:nvGrpSpPr>
+        <p:cNvPr id="1" name=""/>
+        <p:cNvGrpSpPr/>
+        <p:nvPr/>
+      </p:nvGrpSpPr>
+      <p:grpSpPr>
+        <a:xfrm>
+          <a:off x="0" y="0"/>
+          <a:ext cx="0" cy="0"/>
+          <a:chOff x="0" y="0"/>
+          <a:chExt cx="0" cy="0"/>
+        </a:xfrm>
+      </p:grpSpPr>
+      <p:pic>
+        <p:nvPicPr>
+          <p:cNvPr id="8" name="図 7">
+            <a:extLst>
+              <a:ext uri="{FF2B5EF4-FFF2-40B4-BE49-F238E27FC236}">
+                <a16:creationId xmlns:a16="http://schemas.microsoft.com/office/drawing/2014/main" id="{65EB5082-8F2F-4976-B31C-ED8041417528}"/>
+              </a:ext>
+            </a:extLst>
+          </p:cNvPr>
+          <p:cNvPicPr>
+            <a:picLocks noChangeAspect="1"/>
+          </p:cNvPicPr>
+          <p:nvPr/>
+        </p:nvPicPr>
+        <p:blipFill>
+          <a:blip r:embed="rId2"/>
+          <a:stretch>
+            <a:fillRect/>
+          </a:stretch>
+        </p:blipFill>
+        <p:spPr>
+          <a:xfrm>
+            <a:off x="2591153" y="786158"/>
+            <a:ext cx="6531709" cy="4695223"/>
+          </a:xfrm>
+          <a:prstGeom prst="rect">
+            <a:avLst/>
+          </a:prstGeom>
+        </p:spPr>
+      </p:pic>
+      <p:sp>
+        <p:nvSpPr>
+          <p:cNvPr id="2" name="テキスト ボックス 1">
+            <a:extLst>
+              <a:ext uri="{FF2B5EF4-FFF2-40B4-BE49-F238E27FC236}">
+                <a16:creationId xmlns:a16="http://schemas.microsoft.com/office/drawing/2014/main" id="{96BF0647-9E76-465A-8F46-16956D691E18}"/>
+              </a:ext>
+            </a:extLst>
+          </p:cNvPr>
+          <p:cNvSpPr txBox="1"/>
+          <p:nvPr/>
+        </p:nvSpPr>
+        <p:spPr>
+          <a:xfrm>
+            <a:off x="5796782" y="3248981"/>
+            <a:ext cx="2708591" cy="1405588"/>
+          </a:xfrm>
+          <a:prstGeom prst="rect">
+            <a:avLst/>
+          </a:prstGeom>
+          <a:solidFill>
+            <a:srgbClr val="FFFF00"/>
+          </a:solidFill>
+          <a:ln>
+            <a:solidFill>
+              <a:schemeClr val="tx1"/>
+            </a:solidFill>
+          </a:ln>
+        </p:spPr>
+        <p:txBody>
+          <a:bodyPr wrap="square" rtlCol="0">
+            <a:noAutofit/>
+          </a:bodyPr>
+          <a:lstStyle/>
+          <a:p>
+            <a:r>
+              <a:rPr lang="en-US" altLang="ja-JP" sz="907" dirty="0">
+                <a:latin typeface="ＭＳ Ｐゴシック" panose="020B0600070205080204" pitchFamily="50" charset="-128"/>
+                <a:ea typeface="ＭＳ Ｐゴシック" panose="020B0600070205080204" pitchFamily="50" charset="-128"/>
+                <a:cs typeface="Arial" panose="020B0604020202020204" pitchFamily="34" charset="0"/>
+              </a:rPr>
+              <a:t>Output: </a:t>
+            </a:r>
+          </a:p>
+          <a:p>
+            <a:r>
+              <a:rPr lang="en-US" altLang="ja-JP" sz="907" dirty="0">
+                <a:latin typeface="ＭＳ Ｐゴシック" panose="020B0600070205080204" pitchFamily="50" charset="-128"/>
+                <a:ea typeface="ＭＳ Ｐゴシック" panose="020B0600070205080204" pitchFamily="50" charset="-128"/>
+                <a:cs typeface="Arial" panose="020B0604020202020204" pitchFamily="34" charset="0"/>
+              </a:rPr>
+              <a:t>-. accumulated signal.</a:t>
+            </a:r>
+          </a:p>
+          <a:p>
+            <a:r>
+              <a:rPr lang="en-US" altLang="ja-JP" sz="907" dirty="0">
+                <a:latin typeface="ＭＳ Ｐゴシック" panose="020B0600070205080204" pitchFamily="50" charset="-128"/>
+                <a:ea typeface="ＭＳ Ｐゴシック" panose="020B0600070205080204" pitchFamily="50" charset="-128"/>
+                <a:cs typeface="Arial" panose="020B0604020202020204" pitchFamily="34" charset="0"/>
+              </a:rPr>
+              <a:t>-. Output signal increases as keyboard is pressed. </a:t>
+            </a:r>
+          </a:p>
+          <a:p>
+            <a:r>
+              <a:rPr lang="en-US" altLang="ja-JP" sz="907" dirty="0">
+                <a:latin typeface="ＭＳ Ｐゴシック" panose="020B0600070205080204" pitchFamily="50" charset="-128"/>
+                <a:ea typeface="ＭＳ Ｐゴシック" panose="020B0600070205080204" pitchFamily="50" charset="-128"/>
+                <a:cs typeface="Arial" panose="020B0604020202020204" pitchFamily="34" charset="0"/>
+              </a:rPr>
+              <a:t>-. How long the key is pressed does NOT affect on output signal.</a:t>
+            </a:r>
+          </a:p>
+          <a:p>
+            <a:r>
+              <a:rPr lang="en-US" altLang="ja-JP" sz="907" dirty="0">
+                <a:latin typeface="ＭＳ Ｐゴシック" panose="020B0600070205080204" pitchFamily="50" charset="-128"/>
+                <a:ea typeface="ＭＳ Ｐゴシック" panose="020B0600070205080204" pitchFamily="50" charset="-128"/>
+                <a:cs typeface="Arial" panose="020B0604020202020204" pitchFamily="34" charset="0"/>
+              </a:rPr>
+              <a:t>-. Output signal value began with 2 as set via parameter.</a:t>
+            </a:r>
+          </a:p>
+          <a:p>
+            <a:r>
+              <a:rPr lang="en-US" altLang="ja-JP" sz="907" dirty="0">
+                <a:latin typeface="ＭＳ Ｐゴシック" panose="020B0600070205080204" pitchFamily="50" charset="-128"/>
+                <a:ea typeface="ＭＳ Ｐゴシック" panose="020B0600070205080204" pitchFamily="50" charset="-128"/>
+                <a:cs typeface="Arial" panose="020B0604020202020204" pitchFamily="34" charset="0"/>
+              </a:rPr>
+              <a:t>-. Increments of output signal is 10 because scale factor is set 10.</a:t>
+            </a:r>
+          </a:p>
+        </p:txBody>
+      </p:sp>
+      <p:cxnSp>
+        <p:nvCxnSpPr>
+          <p:cNvPr id="3" name="直線矢印コネクタ 2">
+            <a:extLst>
+              <a:ext uri="{FF2B5EF4-FFF2-40B4-BE49-F238E27FC236}">
+                <a16:creationId xmlns:a16="http://schemas.microsoft.com/office/drawing/2014/main" id="{23309BF6-9F33-4F4D-A689-F6940D7001EF}"/>
+              </a:ext>
+            </a:extLst>
+          </p:cNvPr>
+          <p:cNvCxnSpPr>
+            <a:cxnSpLocks/>
+            <a:stCxn id="2" idx="1"/>
+          </p:cNvCxnSpPr>
+          <p:nvPr/>
+        </p:nvCxnSpPr>
+        <p:spPr>
+          <a:xfrm flipH="1" flipV="1">
+            <a:off x="5410009" y="3133769"/>
+            <a:ext cx="386774" cy="818006"/>
+          </a:xfrm>
+          <a:prstGeom prst="straightConnector1">
+            <a:avLst/>
+          </a:prstGeom>
+          <a:ln w="12700">
+            <a:solidFill>
+              <a:schemeClr val="tx1"/>
+            </a:solidFill>
+            <a:tailEnd type="oval"/>
+          </a:ln>
+        </p:spPr>
+        <p:style>
+          <a:lnRef idx="1">
+            <a:schemeClr val="accent1"/>
+          </a:lnRef>
+          <a:fillRef idx="0">
+            <a:schemeClr val="accent1"/>
+          </a:fillRef>
+          <a:effectRef idx="0">
+            <a:schemeClr val="accent1"/>
+          </a:effectRef>
+          <a:fontRef idx="minor">
+            <a:schemeClr val="tx1"/>
+          </a:fontRef>
+        </p:style>
+      </p:cxnSp>
+    </p:spTree>
+    <p:extLst>
+      <p:ext uri="{BB962C8B-B14F-4D97-AF65-F5344CB8AC3E}">
+        <p14:creationId xmlns:p14="http://schemas.microsoft.com/office/powerpoint/2010/main" val="2964842567"/>
       </p:ext>
     </p:extLst>
   </p:cSld>

--- a/figs/makeFigs.pptx
+++ b/figs/makeFigs.pptx
@@ -13,6 +13,22 @@
     <p:sldId id="264" r:id="rId7"/>
     <p:sldId id="263" r:id="rId8"/>
     <p:sldId id="272" r:id="rId9"/>
+    <p:sldId id="275" r:id="rId10"/>
+    <p:sldId id="276" r:id="rId11"/>
+    <p:sldId id="277" r:id="rId12"/>
+    <p:sldId id="278" r:id="rId13"/>
+    <p:sldId id="279" r:id="rId14"/>
+    <p:sldId id="280" r:id="rId15"/>
+    <p:sldId id="281" r:id="rId16"/>
+    <p:sldId id="282" r:id="rId17"/>
+    <p:sldId id="283" r:id="rId18"/>
+    <p:sldId id="284" r:id="rId19"/>
+    <p:sldId id="285" r:id="rId20"/>
+    <p:sldId id="286" r:id="rId21"/>
+    <p:sldId id="287" r:id="rId22"/>
+    <p:sldId id="288" r:id="rId23"/>
+    <p:sldId id="289" r:id="rId24"/>
+    <p:sldId id="290" r:id="rId25"/>
   </p:sldIdLst>
   <p:sldSz cx="12192000" cy="6858000"/>
   <p:notesSz cx="6858000" cy="9144000"/>
@@ -266,7 +282,7 @@
           <a:p>
             <a:fld id="{DE96C6B9-2B2A-464C-92AE-90B0BB51DC5F}" type="datetimeFigureOut">
               <a:rPr kumimoji="1" lang="ja-JP" altLang="en-US" smtClean="0"/>
-              <a:t>2020/8/25</a:t>
+              <a:t>2020/8/26</a:t>
             </a:fld>
             <a:endParaRPr kumimoji="1" lang="ja-JP" altLang="en-US"/>
           </a:p>
@@ -496,7 +512,7 @@
           <a:p>
             <a:fld id="{DE96C6B9-2B2A-464C-92AE-90B0BB51DC5F}" type="datetimeFigureOut">
               <a:rPr kumimoji="1" lang="ja-JP" altLang="en-US" smtClean="0"/>
-              <a:t>2020/8/25</a:t>
+              <a:t>2020/8/26</a:t>
             </a:fld>
             <a:endParaRPr kumimoji="1" lang="ja-JP" altLang="en-US"/>
           </a:p>
@@ -736,7 +752,7 @@
           <a:p>
             <a:fld id="{DE96C6B9-2B2A-464C-92AE-90B0BB51DC5F}" type="datetimeFigureOut">
               <a:rPr kumimoji="1" lang="ja-JP" altLang="en-US" smtClean="0"/>
-              <a:t>2020/8/25</a:t>
+              <a:t>2020/8/26</a:t>
             </a:fld>
             <a:endParaRPr kumimoji="1" lang="ja-JP" altLang="en-US"/>
           </a:p>
@@ -1062,7 +1078,7 @@
           <a:p>
             <a:fld id="{DE96C6B9-2B2A-464C-92AE-90B0BB51DC5F}" type="datetimeFigureOut">
               <a:rPr kumimoji="1" lang="ja-JP" altLang="en-US" smtClean="0"/>
-              <a:t>2020/8/25</a:t>
+              <a:t>2020/8/26</a:t>
             </a:fld>
             <a:endParaRPr kumimoji="1" lang="ja-JP" altLang="en-US"/>
           </a:p>
@@ -1337,7 +1353,7 @@
           <a:p>
             <a:fld id="{DE96C6B9-2B2A-464C-92AE-90B0BB51DC5F}" type="datetimeFigureOut">
               <a:rPr kumimoji="1" lang="ja-JP" altLang="en-US" smtClean="0"/>
-              <a:t>2020/8/25</a:t>
+              <a:t>2020/8/26</a:t>
             </a:fld>
             <a:endParaRPr kumimoji="1" lang="ja-JP" altLang="en-US"/>
           </a:p>
@@ -1666,7 +1682,7 @@
           <a:p>
             <a:fld id="{DE96C6B9-2B2A-464C-92AE-90B0BB51DC5F}" type="datetimeFigureOut">
               <a:rPr kumimoji="1" lang="ja-JP" altLang="en-US" smtClean="0"/>
-              <a:t>2020/8/25</a:t>
+              <a:t>2020/8/26</a:t>
             </a:fld>
             <a:endParaRPr kumimoji="1" lang="ja-JP" altLang="en-US"/>
           </a:p>
@@ -2142,7 +2158,7 @@
           <a:p>
             <a:fld id="{DE96C6B9-2B2A-464C-92AE-90B0BB51DC5F}" type="datetimeFigureOut">
               <a:rPr kumimoji="1" lang="ja-JP" altLang="en-US" smtClean="0"/>
-              <a:t>2020/8/25</a:t>
+              <a:t>2020/8/26</a:t>
             </a:fld>
             <a:endParaRPr kumimoji="1" lang="ja-JP" altLang="en-US"/>
           </a:p>
@@ -2283,7 +2299,7 @@
           <a:p>
             <a:fld id="{DE96C6B9-2B2A-464C-92AE-90B0BB51DC5F}" type="datetimeFigureOut">
               <a:rPr kumimoji="1" lang="ja-JP" altLang="en-US" smtClean="0"/>
-              <a:t>2020/8/25</a:t>
+              <a:t>2020/8/26</a:t>
             </a:fld>
             <a:endParaRPr kumimoji="1" lang="ja-JP" altLang="en-US"/>
           </a:p>
@@ -2396,7 +2412,7 @@
           <a:p>
             <a:fld id="{DE96C6B9-2B2A-464C-92AE-90B0BB51DC5F}" type="datetimeFigureOut">
               <a:rPr kumimoji="1" lang="ja-JP" altLang="en-US" smtClean="0"/>
-              <a:t>2020/8/25</a:t>
+              <a:t>2020/8/26</a:t>
             </a:fld>
             <a:endParaRPr kumimoji="1" lang="ja-JP" altLang="en-US"/>
           </a:p>
@@ -2739,7 +2755,7 @@
           <a:p>
             <a:fld id="{DE96C6B9-2B2A-464C-92AE-90B0BB51DC5F}" type="datetimeFigureOut">
               <a:rPr kumimoji="1" lang="ja-JP" altLang="en-US" smtClean="0"/>
-              <a:t>2020/8/25</a:t>
+              <a:t>2020/8/26</a:t>
             </a:fld>
             <a:endParaRPr kumimoji="1" lang="ja-JP" altLang="en-US"/>
           </a:p>
@@ -3027,7 +3043,7 @@
           <a:p>
             <a:fld id="{DE96C6B9-2B2A-464C-92AE-90B0BB51DC5F}" type="datetimeFigureOut">
               <a:rPr kumimoji="1" lang="ja-JP" altLang="en-US" smtClean="0"/>
-              <a:t>2020/8/25</a:t>
+              <a:t>2020/8/26</a:t>
             </a:fld>
             <a:endParaRPr kumimoji="1" lang="ja-JP" altLang="en-US"/>
           </a:p>
@@ -3300,7 +3316,7 @@
           <a:p>
             <a:fld id="{DE96C6B9-2B2A-464C-92AE-90B0BB51DC5F}" type="datetimeFigureOut">
               <a:rPr kumimoji="1" lang="ja-JP" altLang="en-US" smtClean="0"/>
-              <a:t>2020/8/25</a:t>
+              <a:t>2020/8/26</a:t>
             </a:fld>
             <a:endParaRPr kumimoji="1" lang="ja-JP" altLang="en-US"/>
           </a:p>
@@ -3977,6 +3993,306 @@
 </p:sld>
 </file>
 
+<file path=ppt/slides/slide10.xml><?xml version="1.0" encoding="utf-8"?>
+<p:sld xmlns:a="http://schemas.openxmlformats.org/drawingml/2006/main" xmlns:r="http://schemas.openxmlformats.org/officeDocument/2006/relationships" xmlns:p="http://schemas.openxmlformats.org/presentationml/2006/main">
+  <p:cSld>
+    <p:spTree>
+      <p:nvGrpSpPr>
+        <p:cNvPr id="1" name=""/>
+        <p:cNvGrpSpPr/>
+        <p:nvPr/>
+      </p:nvGrpSpPr>
+      <p:grpSpPr>
+        <a:xfrm>
+          <a:off x="0" y="0"/>
+          <a:ext cx="0" cy="0"/>
+          <a:chOff x="0" y="0"/>
+          <a:chExt cx="0" cy="0"/>
+        </a:xfrm>
+      </p:grpSpPr>
+    </p:spTree>
+    <p:extLst>
+      <p:ext uri="{BB962C8B-B14F-4D97-AF65-F5344CB8AC3E}">
+        <p14:creationId xmlns:p14="http://schemas.microsoft.com/office/powerpoint/2010/main" val="2790903284"/>
+      </p:ext>
+    </p:extLst>
+  </p:cSld>
+  <p:clrMapOvr>
+    <a:masterClrMapping/>
+  </p:clrMapOvr>
+</p:sld>
+</file>
+
+<file path=ppt/slides/slide11.xml><?xml version="1.0" encoding="utf-8"?>
+<p:sld xmlns:a="http://schemas.openxmlformats.org/drawingml/2006/main" xmlns:r="http://schemas.openxmlformats.org/officeDocument/2006/relationships" xmlns:p="http://schemas.openxmlformats.org/presentationml/2006/main">
+  <p:cSld>
+    <p:spTree>
+      <p:nvGrpSpPr>
+        <p:cNvPr id="1" name=""/>
+        <p:cNvGrpSpPr/>
+        <p:nvPr/>
+      </p:nvGrpSpPr>
+      <p:grpSpPr>
+        <a:xfrm>
+          <a:off x="0" y="0"/>
+          <a:ext cx="0" cy="0"/>
+          <a:chOff x="0" y="0"/>
+          <a:chExt cx="0" cy="0"/>
+        </a:xfrm>
+      </p:grpSpPr>
+    </p:spTree>
+    <p:extLst>
+      <p:ext uri="{BB962C8B-B14F-4D97-AF65-F5344CB8AC3E}">
+        <p14:creationId xmlns:p14="http://schemas.microsoft.com/office/powerpoint/2010/main" val="2924987063"/>
+      </p:ext>
+    </p:extLst>
+  </p:cSld>
+  <p:clrMapOvr>
+    <a:masterClrMapping/>
+  </p:clrMapOvr>
+</p:sld>
+</file>
+
+<file path=ppt/slides/slide12.xml><?xml version="1.0" encoding="utf-8"?>
+<p:sld xmlns:a="http://schemas.openxmlformats.org/drawingml/2006/main" xmlns:r="http://schemas.openxmlformats.org/officeDocument/2006/relationships" xmlns:p="http://schemas.openxmlformats.org/presentationml/2006/main">
+  <p:cSld>
+    <p:spTree>
+      <p:nvGrpSpPr>
+        <p:cNvPr id="1" name=""/>
+        <p:cNvGrpSpPr/>
+        <p:nvPr/>
+      </p:nvGrpSpPr>
+      <p:grpSpPr>
+        <a:xfrm>
+          <a:off x="0" y="0"/>
+          <a:ext cx="0" cy="0"/>
+          <a:chOff x="0" y="0"/>
+          <a:chExt cx="0" cy="0"/>
+        </a:xfrm>
+      </p:grpSpPr>
+    </p:spTree>
+    <p:extLst>
+      <p:ext uri="{BB962C8B-B14F-4D97-AF65-F5344CB8AC3E}">
+        <p14:creationId xmlns:p14="http://schemas.microsoft.com/office/powerpoint/2010/main" val="2261871635"/>
+      </p:ext>
+    </p:extLst>
+  </p:cSld>
+  <p:clrMapOvr>
+    <a:masterClrMapping/>
+  </p:clrMapOvr>
+</p:sld>
+</file>
+
+<file path=ppt/slides/slide13.xml><?xml version="1.0" encoding="utf-8"?>
+<p:sld xmlns:a="http://schemas.openxmlformats.org/drawingml/2006/main" xmlns:r="http://schemas.openxmlformats.org/officeDocument/2006/relationships" xmlns:p="http://schemas.openxmlformats.org/presentationml/2006/main">
+  <p:cSld>
+    <p:spTree>
+      <p:nvGrpSpPr>
+        <p:cNvPr id="1" name=""/>
+        <p:cNvGrpSpPr/>
+        <p:nvPr/>
+      </p:nvGrpSpPr>
+      <p:grpSpPr>
+        <a:xfrm>
+          <a:off x="0" y="0"/>
+          <a:ext cx="0" cy="0"/>
+          <a:chOff x="0" y="0"/>
+          <a:chExt cx="0" cy="0"/>
+        </a:xfrm>
+      </p:grpSpPr>
+    </p:spTree>
+    <p:extLst>
+      <p:ext uri="{BB962C8B-B14F-4D97-AF65-F5344CB8AC3E}">
+        <p14:creationId xmlns:p14="http://schemas.microsoft.com/office/powerpoint/2010/main" val="171189692"/>
+      </p:ext>
+    </p:extLst>
+  </p:cSld>
+  <p:clrMapOvr>
+    <a:masterClrMapping/>
+  </p:clrMapOvr>
+</p:sld>
+</file>
+
+<file path=ppt/slides/slide14.xml><?xml version="1.0" encoding="utf-8"?>
+<p:sld xmlns:a="http://schemas.openxmlformats.org/drawingml/2006/main" xmlns:r="http://schemas.openxmlformats.org/officeDocument/2006/relationships" xmlns:p="http://schemas.openxmlformats.org/presentationml/2006/main">
+  <p:cSld>
+    <p:spTree>
+      <p:nvGrpSpPr>
+        <p:cNvPr id="1" name=""/>
+        <p:cNvGrpSpPr/>
+        <p:nvPr/>
+      </p:nvGrpSpPr>
+      <p:grpSpPr>
+        <a:xfrm>
+          <a:off x="0" y="0"/>
+          <a:ext cx="0" cy="0"/>
+          <a:chOff x="0" y="0"/>
+          <a:chExt cx="0" cy="0"/>
+        </a:xfrm>
+      </p:grpSpPr>
+    </p:spTree>
+    <p:extLst>
+      <p:ext uri="{BB962C8B-B14F-4D97-AF65-F5344CB8AC3E}">
+        <p14:creationId xmlns:p14="http://schemas.microsoft.com/office/powerpoint/2010/main" val="1667471724"/>
+      </p:ext>
+    </p:extLst>
+  </p:cSld>
+  <p:clrMapOvr>
+    <a:masterClrMapping/>
+  </p:clrMapOvr>
+</p:sld>
+</file>
+
+<file path=ppt/slides/slide15.xml><?xml version="1.0" encoding="utf-8"?>
+<p:sld xmlns:a="http://schemas.openxmlformats.org/drawingml/2006/main" xmlns:r="http://schemas.openxmlformats.org/officeDocument/2006/relationships" xmlns:p="http://schemas.openxmlformats.org/presentationml/2006/main">
+  <p:cSld>
+    <p:spTree>
+      <p:nvGrpSpPr>
+        <p:cNvPr id="1" name=""/>
+        <p:cNvGrpSpPr/>
+        <p:nvPr/>
+      </p:nvGrpSpPr>
+      <p:grpSpPr>
+        <a:xfrm>
+          <a:off x="0" y="0"/>
+          <a:ext cx="0" cy="0"/>
+          <a:chOff x="0" y="0"/>
+          <a:chExt cx="0" cy="0"/>
+        </a:xfrm>
+      </p:grpSpPr>
+    </p:spTree>
+    <p:extLst>
+      <p:ext uri="{BB962C8B-B14F-4D97-AF65-F5344CB8AC3E}">
+        <p14:creationId xmlns:p14="http://schemas.microsoft.com/office/powerpoint/2010/main" val="2273085510"/>
+      </p:ext>
+    </p:extLst>
+  </p:cSld>
+  <p:clrMapOvr>
+    <a:masterClrMapping/>
+  </p:clrMapOvr>
+</p:sld>
+</file>
+
+<file path=ppt/slides/slide16.xml><?xml version="1.0" encoding="utf-8"?>
+<p:sld xmlns:a="http://schemas.openxmlformats.org/drawingml/2006/main" xmlns:r="http://schemas.openxmlformats.org/officeDocument/2006/relationships" xmlns:p="http://schemas.openxmlformats.org/presentationml/2006/main">
+  <p:cSld>
+    <p:spTree>
+      <p:nvGrpSpPr>
+        <p:cNvPr id="1" name=""/>
+        <p:cNvGrpSpPr/>
+        <p:nvPr/>
+      </p:nvGrpSpPr>
+      <p:grpSpPr>
+        <a:xfrm>
+          <a:off x="0" y="0"/>
+          <a:ext cx="0" cy="0"/>
+          <a:chOff x="0" y="0"/>
+          <a:chExt cx="0" cy="0"/>
+        </a:xfrm>
+      </p:grpSpPr>
+    </p:spTree>
+    <p:extLst>
+      <p:ext uri="{BB962C8B-B14F-4D97-AF65-F5344CB8AC3E}">
+        <p14:creationId xmlns:p14="http://schemas.microsoft.com/office/powerpoint/2010/main" val="2710420744"/>
+      </p:ext>
+    </p:extLst>
+  </p:cSld>
+  <p:clrMapOvr>
+    <a:masterClrMapping/>
+  </p:clrMapOvr>
+</p:sld>
+</file>
+
+<file path=ppt/slides/slide17.xml><?xml version="1.0" encoding="utf-8"?>
+<p:sld xmlns:a="http://schemas.openxmlformats.org/drawingml/2006/main" xmlns:r="http://schemas.openxmlformats.org/officeDocument/2006/relationships" xmlns:p="http://schemas.openxmlformats.org/presentationml/2006/main">
+  <p:cSld>
+    <p:spTree>
+      <p:nvGrpSpPr>
+        <p:cNvPr id="1" name=""/>
+        <p:cNvGrpSpPr/>
+        <p:nvPr/>
+      </p:nvGrpSpPr>
+      <p:grpSpPr>
+        <a:xfrm>
+          <a:off x="0" y="0"/>
+          <a:ext cx="0" cy="0"/>
+          <a:chOff x="0" y="0"/>
+          <a:chExt cx="0" cy="0"/>
+        </a:xfrm>
+      </p:grpSpPr>
+    </p:spTree>
+    <p:extLst>
+      <p:ext uri="{BB962C8B-B14F-4D97-AF65-F5344CB8AC3E}">
+        <p14:creationId xmlns:p14="http://schemas.microsoft.com/office/powerpoint/2010/main" val="4080060737"/>
+      </p:ext>
+    </p:extLst>
+  </p:cSld>
+  <p:clrMapOvr>
+    <a:masterClrMapping/>
+  </p:clrMapOvr>
+</p:sld>
+</file>
+
+<file path=ppt/slides/slide18.xml><?xml version="1.0" encoding="utf-8"?>
+<p:sld xmlns:a="http://schemas.openxmlformats.org/drawingml/2006/main" xmlns:r="http://schemas.openxmlformats.org/officeDocument/2006/relationships" xmlns:p="http://schemas.openxmlformats.org/presentationml/2006/main">
+  <p:cSld>
+    <p:spTree>
+      <p:nvGrpSpPr>
+        <p:cNvPr id="1" name=""/>
+        <p:cNvGrpSpPr/>
+        <p:nvPr/>
+      </p:nvGrpSpPr>
+      <p:grpSpPr>
+        <a:xfrm>
+          <a:off x="0" y="0"/>
+          <a:ext cx="0" cy="0"/>
+          <a:chOff x="0" y="0"/>
+          <a:chExt cx="0" cy="0"/>
+        </a:xfrm>
+      </p:grpSpPr>
+    </p:spTree>
+    <p:extLst>
+      <p:ext uri="{BB962C8B-B14F-4D97-AF65-F5344CB8AC3E}">
+        <p14:creationId xmlns:p14="http://schemas.microsoft.com/office/powerpoint/2010/main" val="1369870080"/>
+      </p:ext>
+    </p:extLst>
+  </p:cSld>
+  <p:clrMapOvr>
+    <a:masterClrMapping/>
+  </p:clrMapOvr>
+</p:sld>
+</file>
+
+<file path=ppt/slides/slide19.xml><?xml version="1.0" encoding="utf-8"?>
+<p:sld xmlns:a="http://schemas.openxmlformats.org/drawingml/2006/main" xmlns:r="http://schemas.openxmlformats.org/officeDocument/2006/relationships" xmlns:p="http://schemas.openxmlformats.org/presentationml/2006/main">
+  <p:cSld>
+    <p:spTree>
+      <p:nvGrpSpPr>
+        <p:cNvPr id="1" name=""/>
+        <p:cNvGrpSpPr/>
+        <p:nvPr/>
+      </p:nvGrpSpPr>
+      <p:grpSpPr>
+        <a:xfrm>
+          <a:off x="0" y="0"/>
+          <a:ext cx="0" cy="0"/>
+          <a:chOff x="0" y="0"/>
+          <a:chExt cx="0" cy="0"/>
+        </a:xfrm>
+      </p:grpSpPr>
+    </p:spTree>
+    <p:extLst>
+      <p:ext uri="{BB962C8B-B14F-4D97-AF65-F5344CB8AC3E}">
+        <p14:creationId xmlns:p14="http://schemas.microsoft.com/office/powerpoint/2010/main" val="2953843475"/>
+      </p:ext>
+    </p:extLst>
+  </p:cSld>
+  <p:clrMapOvr>
+    <a:masterClrMapping/>
+  </p:clrMapOvr>
+</p:sld>
+</file>
+
 <file path=ppt/slides/slide2.xml><?xml version="1.0" encoding="utf-8"?>
 <p:sld xmlns:a="http://schemas.openxmlformats.org/drawingml/2006/main" xmlns:r="http://schemas.openxmlformats.org/officeDocument/2006/relationships" xmlns:p="http://schemas.openxmlformats.org/presentationml/2006/main">
   <p:cSld>
@@ -4074,7 +4390,7 @@
                 <a:ea typeface="ＭＳ Ｐゴシック" panose="020B0600070205080204" pitchFamily="50" charset="-128"/>
                 <a:cs typeface="Arial" panose="020B0604020202020204" pitchFamily="34" charset="0"/>
               </a:rPr>
-              <a:t>keybordInput</a:t>
+              <a:t>keyboardInput</a:t>
             </a:r>
             <a:r>
               <a:rPr lang="en-US" altLang="ja-JP" sz="907" dirty="0">
@@ -4206,6 +4522,156 @@
 </p:sld>
 </file>
 
+<file path=ppt/slides/slide20.xml><?xml version="1.0" encoding="utf-8"?>
+<p:sld xmlns:a="http://schemas.openxmlformats.org/drawingml/2006/main" xmlns:r="http://schemas.openxmlformats.org/officeDocument/2006/relationships" xmlns:p="http://schemas.openxmlformats.org/presentationml/2006/main">
+  <p:cSld>
+    <p:spTree>
+      <p:nvGrpSpPr>
+        <p:cNvPr id="1" name=""/>
+        <p:cNvGrpSpPr/>
+        <p:nvPr/>
+      </p:nvGrpSpPr>
+      <p:grpSpPr>
+        <a:xfrm>
+          <a:off x="0" y="0"/>
+          <a:ext cx="0" cy="0"/>
+          <a:chOff x="0" y="0"/>
+          <a:chExt cx="0" cy="0"/>
+        </a:xfrm>
+      </p:grpSpPr>
+    </p:spTree>
+    <p:extLst>
+      <p:ext uri="{BB962C8B-B14F-4D97-AF65-F5344CB8AC3E}">
+        <p14:creationId xmlns:p14="http://schemas.microsoft.com/office/powerpoint/2010/main" val="3808552825"/>
+      </p:ext>
+    </p:extLst>
+  </p:cSld>
+  <p:clrMapOvr>
+    <a:masterClrMapping/>
+  </p:clrMapOvr>
+</p:sld>
+</file>
+
+<file path=ppt/slides/slide21.xml><?xml version="1.0" encoding="utf-8"?>
+<p:sld xmlns:a="http://schemas.openxmlformats.org/drawingml/2006/main" xmlns:r="http://schemas.openxmlformats.org/officeDocument/2006/relationships" xmlns:p="http://schemas.openxmlformats.org/presentationml/2006/main">
+  <p:cSld>
+    <p:spTree>
+      <p:nvGrpSpPr>
+        <p:cNvPr id="1" name=""/>
+        <p:cNvGrpSpPr/>
+        <p:nvPr/>
+      </p:nvGrpSpPr>
+      <p:grpSpPr>
+        <a:xfrm>
+          <a:off x="0" y="0"/>
+          <a:ext cx="0" cy="0"/>
+          <a:chOff x="0" y="0"/>
+          <a:chExt cx="0" cy="0"/>
+        </a:xfrm>
+      </p:grpSpPr>
+    </p:spTree>
+    <p:extLst>
+      <p:ext uri="{BB962C8B-B14F-4D97-AF65-F5344CB8AC3E}">
+        <p14:creationId xmlns:p14="http://schemas.microsoft.com/office/powerpoint/2010/main" val="2789645605"/>
+      </p:ext>
+    </p:extLst>
+  </p:cSld>
+  <p:clrMapOvr>
+    <a:masterClrMapping/>
+  </p:clrMapOvr>
+</p:sld>
+</file>
+
+<file path=ppt/slides/slide22.xml><?xml version="1.0" encoding="utf-8"?>
+<p:sld xmlns:a="http://schemas.openxmlformats.org/drawingml/2006/main" xmlns:r="http://schemas.openxmlformats.org/officeDocument/2006/relationships" xmlns:p="http://schemas.openxmlformats.org/presentationml/2006/main">
+  <p:cSld>
+    <p:spTree>
+      <p:nvGrpSpPr>
+        <p:cNvPr id="1" name=""/>
+        <p:cNvGrpSpPr/>
+        <p:nvPr/>
+      </p:nvGrpSpPr>
+      <p:grpSpPr>
+        <a:xfrm>
+          <a:off x="0" y="0"/>
+          <a:ext cx="0" cy="0"/>
+          <a:chOff x="0" y="0"/>
+          <a:chExt cx="0" cy="0"/>
+        </a:xfrm>
+      </p:grpSpPr>
+    </p:spTree>
+    <p:extLst>
+      <p:ext uri="{BB962C8B-B14F-4D97-AF65-F5344CB8AC3E}">
+        <p14:creationId xmlns:p14="http://schemas.microsoft.com/office/powerpoint/2010/main" val="3282843016"/>
+      </p:ext>
+    </p:extLst>
+  </p:cSld>
+  <p:clrMapOvr>
+    <a:masterClrMapping/>
+  </p:clrMapOvr>
+</p:sld>
+</file>
+
+<file path=ppt/slides/slide23.xml><?xml version="1.0" encoding="utf-8"?>
+<p:sld xmlns:a="http://schemas.openxmlformats.org/drawingml/2006/main" xmlns:r="http://schemas.openxmlformats.org/officeDocument/2006/relationships" xmlns:p="http://schemas.openxmlformats.org/presentationml/2006/main">
+  <p:cSld>
+    <p:spTree>
+      <p:nvGrpSpPr>
+        <p:cNvPr id="1" name=""/>
+        <p:cNvGrpSpPr/>
+        <p:nvPr/>
+      </p:nvGrpSpPr>
+      <p:grpSpPr>
+        <a:xfrm>
+          <a:off x="0" y="0"/>
+          <a:ext cx="0" cy="0"/>
+          <a:chOff x="0" y="0"/>
+          <a:chExt cx="0" cy="0"/>
+        </a:xfrm>
+      </p:grpSpPr>
+    </p:spTree>
+    <p:extLst>
+      <p:ext uri="{BB962C8B-B14F-4D97-AF65-F5344CB8AC3E}">
+        <p14:creationId xmlns:p14="http://schemas.microsoft.com/office/powerpoint/2010/main" val="3781070897"/>
+      </p:ext>
+    </p:extLst>
+  </p:cSld>
+  <p:clrMapOvr>
+    <a:masterClrMapping/>
+  </p:clrMapOvr>
+</p:sld>
+</file>
+
+<file path=ppt/slides/slide24.xml><?xml version="1.0" encoding="utf-8"?>
+<p:sld xmlns:a="http://schemas.openxmlformats.org/drawingml/2006/main" xmlns:r="http://schemas.openxmlformats.org/officeDocument/2006/relationships" xmlns:p="http://schemas.openxmlformats.org/presentationml/2006/main">
+  <p:cSld>
+    <p:spTree>
+      <p:nvGrpSpPr>
+        <p:cNvPr id="1" name=""/>
+        <p:cNvGrpSpPr/>
+        <p:nvPr/>
+      </p:nvGrpSpPr>
+      <p:grpSpPr>
+        <a:xfrm>
+          <a:off x="0" y="0"/>
+          <a:ext cx="0" cy="0"/>
+          <a:chOff x="0" y="0"/>
+          <a:chExt cx="0" cy="0"/>
+        </a:xfrm>
+      </p:grpSpPr>
+    </p:spTree>
+    <p:extLst>
+      <p:ext uri="{BB962C8B-B14F-4D97-AF65-F5344CB8AC3E}">
+        <p14:creationId xmlns:p14="http://schemas.microsoft.com/office/powerpoint/2010/main" val="1896617488"/>
+      </p:ext>
+    </p:extLst>
+  </p:cSld>
+  <p:clrMapOvr>
+    <a:masterClrMapping/>
+  </p:clrMapOvr>
+</p:sld>
+</file>
+
 <file path=ppt/slides/slide3.xml><?xml version="1.0" encoding="utf-8"?>
 <p:sld xmlns:a="http://schemas.openxmlformats.org/drawingml/2006/main" xmlns:r="http://schemas.openxmlformats.org/officeDocument/2006/relationships" xmlns:p="http://schemas.openxmlformats.org/presentationml/2006/main">
   <p:cSld>
@@ -4307,81 +4773,17 @@
                 <a:ea typeface="ＭＳ Ｐゴシック" panose="020B0600070205080204" pitchFamily="50" charset="-128"/>
                 <a:cs typeface="Arial" panose="020B0604020202020204" pitchFamily="34" charset="0"/>
               </a:rPr>
-              <a:t>-. </a:t>
-            </a:r>
-            <a:r>
-              <a:rPr lang="en-US" altLang="ja-JP" sz="907" dirty="0" err="1">
-                <a:latin typeface="ＭＳ Ｐゴシック" panose="020B0600070205080204" pitchFamily="50" charset="-128"/>
-                <a:ea typeface="ＭＳ Ｐゴシック" panose="020B0600070205080204" pitchFamily="50" charset="-128"/>
-                <a:cs typeface="Arial" panose="020B0604020202020204" pitchFamily="34" charset="0"/>
-              </a:rPr>
-              <a:t>Beelean</a:t>
-            </a:r>
+              <a:t>-. Boolean signal which represent keyboard input.</a:t>
+            </a:r>
+          </a:p>
+          <a:p>
             <a:r>
               <a:rPr lang="en-US" altLang="ja-JP" sz="907" dirty="0">
                 <a:latin typeface="ＭＳ Ｐゴシック" panose="020B0600070205080204" pitchFamily="50" charset="-128"/>
                 <a:ea typeface="ＭＳ Ｐゴシック" panose="020B0600070205080204" pitchFamily="50" charset="-128"/>
                 <a:cs typeface="Arial" panose="020B0604020202020204" pitchFamily="34" charset="0"/>
               </a:rPr>
-              <a:t> signal which represent </a:t>
-            </a:r>
-            <a:r>
-              <a:rPr lang="en-US" altLang="ja-JP" sz="907" dirty="0" err="1">
-                <a:latin typeface="ＭＳ Ｐゴシック" panose="020B0600070205080204" pitchFamily="50" charset="-128"/>
-                <a:ea typeface="ＭＳ Ｐゴシック" panose="020B0600070205080204" pitchFamily="50" charset="-128"/>
-                <a:cs typeface="Arial" panose="020B0604020202020204" pitchFamily="34" charset="0"/>
-              </a:rPr>
-              <a:t>keybord</a:t>
-            </a:r>
-            <a:r>
-              <a:rPr lang="en-US" altLang="ja-JP" sz="907" dirty="0">
-                <a:latin typeface="ＭＳ Ｐゴシック" panose="020B0600070205080204" pitchFamily="50" charset="-128"/>
-                <a:ea typeface="ＭＳ Ｐゴシック" panose="020B0600070205080204" pitchFamily="50" charset="-128"/>
-                <a:cs typeface="Arial" panose="020B0604020202020204" pitchFamily="34" charset="0"/>
-              </a:rPr>
-              <a:t> </a:t>
-            </a:r>
-            <a:r>
-              <a:rPr lang="en-US" altLang="ja-JP" sz="907" dirty="0" err="1">
-                <a:latin typeface="ＭＳ Ｐゴシック" panose="020B0600070205080204" pitchFamily="50" charset="-128"/>
-                <a:ea typeface="ＭＳ Ｐゴシック" panose="020B0600070205080204" pitchFamily="50" charset="-128"/>
-                <a:cs typeface="Arial" panose="020B0604020202020204" pitchFamily="34" charset="0"/>
-              </a:rPr>
-              <a:t>inout</a:t>
-            </a:r>
-            <a:r>
-              <a:rPr lang="en-US" altLang="ja-JP" sz="907" dirty="0">
-                <a:latin typeface="ＭＳ Ｐゴシック" panose="020B0600070205080204" pitchFamily="50" charset="-128"/>
-                <a:ea typeface="ＭＳ Ｐゴシック" panose="020B0600070205080204" pitchFamily="50" charset="-128"/>
-                <a:cs typeface="Arial" panose="020B0604020202020204" pitchFamily="34" charset="0"/>
-              </a:rPr>
-              <a:t>.</a:t>
-            </a:r>
-          </a:p>
-          <a:p>
-            <a:r>
-              <a:rPr lang="en-US" altLang="ja-JP" sz="907" dirty="0">
-                <a:latin typeface="ＭＳ Ｐゴシック" panose="020B0600070205080204" pitchFamily="50" charset="-128"/>
-                <a:ea typeface="ＭＳ Ｐゴシック" panose="020B0600070205080204" pitchFamily="50" charset="-128"/>
-                <a:cs typeface="Arial" panose="020B0604020202020204" pitchFamily="34" charset="0"/>
-              </a:rPr>
-              <a:t>-.”1” </a:t>
-            </a:r>
-            <a:r>
-              <a:rPr lang="en-US" altLang="ja-JP" sz="907" dirty="0" err="1">
-                <a:latin typeface="ＭＳ Ｐゴシック" panose="020B0600070205080204" pitchFamily="50" charset="-128"/>
-                <a:ea typeface="ＭＳ Ｐゴシック" panose="020B0600070205080204" pitchFamily="50" charset="-128"/>
-                <a:cs typeface="Arial" panose="020B0604020202020204" pitchFamily="34" charset="0"/>
-              </a:rPr>
-              <a:t>represenets</a:t>
-            </a:r>
-            <a:r>
-              <a:rPr lang="en-US" altLang="ja-JP" sz="907" dirty="0">
-                <a:latin typeface="ＭＳ Ｐゴシック" panose="020B0600070205080204" pitchFamily="50" charset="-128"/>
-                <a:ea typeface="ＭＳ Ｐゴシック" panose="020B0600070205080204" pitchFamily="50" charset="-128"/>
-                <a:cs typeface="Arial" panose="020B0604020202020204" pitchFamily="34" charset="0"/>
-              </a:rPr>
-              <a:t> “pressed”.</a:t>
+              <a:t>-.”1” represents “pressed”.</a:t>
             </a:r>
             <a:endParaRPr lang="ja-JP" altLang="en-US" sz="907" dirty="0">
               <a:latin typeface="ＭＳ Ｐゴシック" panose="020B0600070205080204" pitchFamily="50" charset="-128"/>
@@ -5018,7 +5420,7 @@
                 <a:ea typeface="ＭＳ Ｐゴシック" panose="020B0600070205080204" pitchFamily="50" charset="-128"/>
                 <a:cs typeface="Arial" panose="020B0604020202020204" pitchFamily="34" charset="0"/>
               </a:rPr>
-              <a:t>keybordInput</a:t>
+              <a:t>keyboardInput</a:t>
             </a:r>
             <a:r>
               <a:rPr lang="en-US" altLang="ja-JP" sz="907" dirty="0">
@@ -5251,81 +5653,17 @@
                 <a:ea typeface="ＭＳ Ｐゴシック" panose="020B0600070205080204" pitchFamily="50" charset="-128"/>
                 <a:cs typeface="Arial" panose="020B0604020202020204" pitchFamily="34" charset="0"/>
               </a:rPr>
-              <a:t>-. </a:t>
-            </a:r>
-            <a:r>
-              <a:rPr lang="en-US" altLang="ja-JP" sz="907" dirty="0" err="1">
-                <a:latin typeface="ＭＳ Ｐゴシック" panose="020B0600070205080204" pitchFamily="50" charset="-128"/>
-                <a:ea typeface="ＭＳ Ｐゴシック" panose="020B0600070205080204" pitchFamily="50" charset="-128"/>
-                <a:cs typeface="Arial" panose="020B0604020202020204" pitchFamily="34" charset="0"/>
-              </a:rPr>
-              <a:t>Beelean</a:t>
-            </a:r>
+              <a:t>-. Boolean signal which represent keyboard input.</a:t>
+            </a:r>
+          </a:p>
+          <a:p>
             <a:r>
               <a:rPr lang="en-US" altLang="ja-JP" sz="907" dirty="0">
                 <a:latin typeface="ＭＳ Ｐゴシック" panose="020B0600070205080204" pitchFamily="50" charset="-128"/>
                 <a:ea typeface="ＭＳ Ｐゴシック" panose="020B0600070205080204" pitchFamily="50" charset="-128"/>
                 <a:cs typeface="Arial" panose="020B0604020202020204" pitchFamily="34" charset="0"/>
               </a:rPr>
-              <a:t> signal which represent </a:t>
-            </a:r>
-            <a:r>
-              <a:rPr lang="en-US" altLang="ja-JP" sz="907" dirty="0" err="1">
-                <a:latin typeface="ＭＳ Ｐゴシック" panose="020B0600070205080204" pitchFamily="50" charset="-128"/>
-                <a:ea typeface="ＭＳ Ｐゴシック" panose="020B0600070205080204" pitchFamily="50" charset="-128"/>
-                <a:cs typeface="Arial" panose="020B0604020202020204" pitchFamily="34" charset="0"/>
-              </a:rPr>
-              <a:t>keybord</a:t>
-            </a:r>
-            <a:r>
-              <a:rPr lang="en-US" altLang="ja-JP" sz="907" dirty="0">
-                <a:latin typeface="ＭＳ Ｐゴシック" panose="020B0600070205080204" pitchFamily="50" charset="-128"/>
-                <a:ea typeface="ＭＳ Ｐゴシック" panose="020B0600070205080204" pitchFamily="50" charset="-128"/>
-                <a:cs typeface="Arial" panose="020B0604020202020204" pitchFamily="34" charset="0"/>
-              </a:rPr>
-              <a:t> </a:t>
-            </a:r>
-            <a:r>
-              <a:rPr lang="en-US" altLang="ja-JP" sz="907" dirty="0" err="1">
-                <a:latin typeface="ＭＳ Ｐゴシック" panose="020B0600070205080204" pitchFamily="50" charset="-128"/>
-                <a:ea typeface="ＭＳ Ｐゴシック" panose="020B0600070205080204" pitchFamily="50" charset="-128"/>
-                <a:cs typeface="Arial" panose="020B0604020202020204" pitchFamily="34" charset="0"/>
-              </a:rPr>
-              <a:t>inout</a:t>
-            </a:r>
-            <a:r>
-              <a:rPr lang="en-US" altLang="ja-JP" sz="907" dirty="0">
-                <a:latin typeface="ＭＳ Ｐゴシック" panose="020B0600070205080204" pitchFamily="50" charset="-128"/>
-                <a:ea typeface="ＭＳ Ｐゴシック" panose="020B0600070205080204" pitchFamily="50" charset="-128"/>
-                <a:cs typeface="Arial" panose="020B0604020202020204" pitchFamily="34" charset="0"/>
-              </a:rPr>
-              <a:t>.</a:t>
-            </a:r>
-          </a:p>
-          <a:p>
-            <a:r>
-              <a:rPr lang="en-US" altLang="ja-JP" sz="907" dirty="0">
-                <a:latin typeface="ＭＳ Ｐゴシック" panose="020B0600070205080204" pitchFamily="50" charset="-128"/>
-                <a:ea typeface="ＭＳ Ｐゴシック" panose="020B0600070205080204" pitchFamily="50" charset="-128"/>
-                <a:cs typeface="Arial" panose="020B0604020202020204" pitchFamily="34" charset="0"/>
-              </a:rPr>
-              <a:t>-.”1” </a:t>
-            </a:r>
-            <a:r>
-              <a:rPr lang="en-US" altLang="ja-JP" sz="907" dirty="0" err="1">
-                <a:latin typeface="ＭＳ Ｐゴシック" panose="020B0600070205080204" pitchFamily="50" charset="-128"/>
-                <a:ea typeface="ＭＳ Ｐゴシック" panose="020B0600070205080204" pitchFamily="50" charset="-128"/>
-                <a:cs typeface="Arial" panose="020B0604020202020204" pitchFamily="34" charset="0"/>
-              </a:rPr>
-              <a:t>represenets</a:t>
-            </a:r>
-            <a:r>
-              <a:rPr lang="en-US" altLang="ja-JP" sz="907" dirty="0">
-                <a:latin typeface="ＭＳ Ｐゴシック" panose="020B0600070205080204" pitchFamily="50" charset="-128"/>
-                <a:ea typeface="ＭＳ Ｐゴシック" panose="020B0600070205080204" pitchFamily="50" charset="-128"/>
-                <a:cs typeface="Arial" panose="020B0604020202020204" pitchFamily="34" charset="0"/>
-              </a:rPr>
-              <a:t> “pressed”.</a:t>
+              <a:t>-.”1” represents “pressed”.</a:t>
             </a:r>
             <a:endParaRPr lang="ja-JP" altLang="en-US" sz="907" dirty="0">
               <a:latin typeface="ＭＳ Ｐゴシック" panose="020B0600070205080204" pitchFamily="50" charset="-128"/>
@@ -5455,7 +5793,7 @@
         <p:spPr>
           <a:xfrm>
             <a:off x="5796782" y="3248981"/>
-            <a:ext cx="2708591" cy="1405588"/>
+            <a:ext cx="2708591" cy="1182342"/>
           </a:xfrm>
           <a:prstGeom prst="rect">
             <a:avLst/>
@@ -5511,7 +5849,7 @@
                 <a:ea typeface="ＭＳ Ｐゴシック" panose="020B0600070205080204" pitchFamily="50" charset="-128"/>
                 <a:cs typeface="Arial" panose="020B0604020202020204" pitchFamily="34" charset="0"/>
               </a:rPr>
-              <a:t>-. How long the key is pressed does NOT affect on output signal.</a:t>
+              <a:t>-. How long the key is pressed determines how output signal increases.</a:t>
             </a:r>
           </a:p>
           <a:p>
@@ -5522,16 +5860,6 @@
                 <a:cs typeface="Arial" panose="020B0604020202020204" pitchFamily="34" charset="0"/>
               </a:rPr>
               <a:t>-. Output signal value began with 2 as set via parameter.</a:t>
-            </a:r>
-          </a:p>
-          <a:p>
-            <a:r>
-              <a:rPr lang="en-US" altLang="ja-JP" sz="907" dirty="0">
-                <a:latin typeface="ＭＳ Ｐゴシック" panose="020B0600070205080204" pitchFamily="50" charset="-128"/>
-                <a:ea typeface="ＭＳ Ｐゴシック" panose="020B0600070205080204" pitchFamily="50" charset="-128"/>
-                <a:cs typeface="Arial" panose="020B0604020202020204" pitchFamily="34" charset="0"/>
-              </a:rPr>
-              <a:t>-. Increments of output signal is 10 because scale factor is set 10.</a:t>
             </a:r>
           </a:p>
         </p:txBody>
@@ -5553,8 +5881,8 @@
         </p:nvCxnSpPr>
         <p:spPr>
           <a:xfrm flipH="1" flipV="1">
-            <a:off x="5410009" y="3133769"/>
-            <a:ext cx="386774" cy="818006"/>
+            <a:off x="5410010" y="3133770"/>
+            <a:ext cx="386772" cy="706382"/>
           </a:xfrm>
           <a:prstGeom prst="straightConnector1">
             <a:avLst/>
@@ -5585,6 +5913,36 @@
     <p:extLst>
       <p:ext uri="{BB962C8B-B14F-4D97-AF65-F5344CB8AC3E}">
         <p14:creationId xmlns:p14="http://schemas.microsoft.com/office/powerpoint/2010/main" val="2964842567"/>
+      </p:ext>
+    </p:extLst>
+  </p:cSld>
+  <p:clrMapOvr>
+    <a:masterClrMapping/>
+  </p:clrMapOvr>
+</p:sld>
+</file>
+
+<file path=ppt/slides/slide9.xml><?xml version="1.0" encoding="utf-8"?>
+<p:sld xmlns:a="http://schemas.openxmlformats.org/drawingml/2006/main" xmlns:r="http://schemas.openxmlformats.org/officeDocument/2006/relationships" xmlns:p="http://schemas.openxmlformats.org/presentationml/2006/main">
+  <p:cSld>
+    <p:spTree>
+      <p:nvGrpSpPr>
+        <p:cNvPr id="1" name=""/>
+        <p:cNvGrpSpPr/>
+        <p:nvPr/>
+      </p:nvGrpSpPr>
+      <p:grpSpPr>
+        <a:xfrm>
+          <a:off x="0" y="0"/>
+          <a:ext cx="0" cy="0"/>
+          <a:chOff x="0" y="0"/>
+          <a:chExt cx="0" cy="0"/>
+        </a:xfrm>
+      </p:grpSpPr>
+    </p:spTree>
+    <p:extLst>
+      <p:ext uri="{BB962C8B-B14F-4D97-AF65-F5344CB8AC3E}">
+        <p14:creationId xmlns:p14="http://schemas.microsoft.com/office/powerpoint/2010/main" val="234426222"/>
       </p:ext>
     </p:extLst>
   </p:cSld>

--- a/figs/makeFigs.pptx
+++ b/figs/makeFigs.pptx
@@ -282,7 +282,7 @@
           <a:p>
             <a:fld id="{DE96C6B9-2B2A-464C-92AE-90B0BB51DC5F}" type="datetimeFigureOut">
               <a:rPr kumimoji="1" lang="ja-JP" altLang="en-US" smtClean="0"/>
-              <a:t>2020/8/26</a:t>
+              <a:t>2020/9/9</a:t>
             </a:fld>
             <a:endParaRPr kumimoji="1" lang="ja-JP" altLang="en-US"/>
           </a:p>
@@ -512,7 +512,7 @@
           <a:p>
             <a:fld id="{DE96C6B9-2B2A-464C-92AE-90B0BB51DC5F}" type="datetimeFigureOut">
               <a:rPr kumimoji="1" lang="ja-JP" altLang="en-US" smtClean="0"/>
-              <a:t>2020/8/26</a:t>
+              <a:t>2020/9/9</a:t>
             </a:fld>
             <a:endParaRPr kumimoji="1" lang="ja-JP" altLang="en-US"/>
           </a:p>
@@ -752,7 +752,7 @@
           <a:p>
             <a:fld id="{DE96C6B9-2B2A-464C-92AE-90B0BB51DC5F}" type="datetimeFigureOut">
               <a:rPr kumimoji="1" lang="ja-JP" altLang="en-US" smtClean="0"/>
-              <a:t>2020/8/26</a:t>
+              <a:t>2020/9/9</a:t>
             </a:fld>
             <a:endParaRPr kumimoji="1" lang="ja-JP" altLang="en-US"/>
           </a:p>
@@ -1078,7 +1078,7 @@
           <a:p>
             <a:fld id="{DE96C6B9-2B2A-464C-92AE-90B0BB51DC5F}" type="datetimeFigureOut">
               <a:rPr kumimoji="1" lang="ja-JP" altLang="en-US" smtClean="0"/>
-              <a:t>2020/8/26</a:t>
+              <a:t>2020/9/9</a:t>
             </a:fld>
             <a:endParaRPr kumimoji="1" lang="ja-JP" altLang="en-US"/>
           </a:p>
@@ -1353,7 +1353,7 @@
           <a:p>
             <a:fld id="{DE96C6B9-2B2A-464C-92AE-90B0BB51DC5F}" type="datetimeFigureOut">
               <a:rPr kumimoji="1" lang="ja-JP" altLang="en-US" smtClean="0"/>
-              <a:t>2020/8/26</a:t>
+              <a:t>2020/9/9</a:t>
             </a:fld>
             <a:endParaRPr kumimoji="1" lang="ja-JP" altLang="en-US"/>
           </a:p>
@@ -1682,7 +1682,7 @@
           <a:p>
             <a:fld id="{DE96C6B9-2B2A-464C-92AE-90B0BB51DC5F}" type="datetimeFigureOut">
               <a:rPr kumimoji="1" lang="ja-JP" altLang="en-US" smtClean="0"/>
-              <a:t>2020/8/26</a:t>
+              <a:t>2020/9/9</a:t>
             </a:fld>
             <a:endParaRPr kumimoji="1" lang="ja-JP" altLang="en-US"/>
           </a:p>
@@ -2158,7 +2158,7 @@
           <a:p>
             <a:fld id="{DE96C6B9-2B2A-464C-92AE-90B0BB51DC5F}" type="datetimeFigureOut">
               <a:rPr kumimoji="1" lang="ja-JP" altLang="en-US" smtClean="0"/>
-              <a:t>2020/8/26</a:t>
+              <a:t>2020/9/9</a:t>
             </a:fld>
             <a:endParaRPr kumimoji="1" lang="ja-JP" altLang="en-US"/>
           </a:p>
@@ -2299,7 +2299,7 @@
           <a:p>
             <a:fld id="{DE96C6B9-2B2A-464C-92AE-90B0BB51DC5F}" type="datetimeFigureOut">
               <a:rPr kumimoji="1" lang="ja-JP" altLang="en-US" smtClean="0"/>
-              <a:t>2020/8/26</a:t>
+              <a:t>2020/9/9</a:t>
             </a:fld>
             <a:endParaRPr kumimoji="1" lang="ja-JP" altLang="en-US"/>
           </a:p>
@@ -2412,7 +2412,7 @@
           <a:p>
             <a:fld id="{DE96C6B9-2B2A-464C-92AE-90B0BB51DC5F}" type="datetimeFigureOut">
               <a:rPr kumimoji="1" lang="ja-JP" altLang="en-US" smtClean="0"/>
-              <a:t>2020/8/26</a:t>
+              <a:t>2020/9/9</a:t>
             </a:fld>
             <a:endParaRPr kumimoji="1" lang="ja-JP" altLang="en-US"/>
           </a:p>
@@ -2755,7 +2755,7 @@
           <a:p>
             <a:fld id="{DE96C6B9-2B2A-464C-92AE-90B0BB51DC5F}" type="datetimeFigureOut">
               <a:rPr kumimoji="1" lang="ja-JP" altLang="en-US" smtClean="0"/>
-              <a:t>2020/8/26</a:t>
+              <a:t>2020/9/9</a:t>
             </a:fld>
             <a:endParaRPr kumimoji="1" lang="ja-JP" altLang="en-US"/>
           </a:p>
@@ -3043,7 +3043,7 @@
           <a:p>
             <a:fld id="{DE96C6B9-2B2A-464C-92AE-90B0BB51DC5F}" type="datetimeFigureOut">
               <a:rPr kumimoji="1" lang="ja-JP" altLang="en-US" smtClean="0"/>
-              <a:t>2020/8/26</a:t>
+              <a:t>2020/9/9</a:t>
             </a:fld>
             <a:endParaRPr kumimoji="1" lang="ja-JP" altLang="en-US"/>
           </a:p>
@@ -3316,7 +3316,7 @@
           <a:p>
             <a:fld id="{DE96C6B9-2B2A-464C-92AE-90B0BB51DC5F}" type="datetimeFigureOut">
               <a:rPr kumimoji="1" lang="ja-JP" altLang="en-US" smtClean="0"/>
-              <a:t>2020/8/26</a:t>
+              <a:t>2020/9/9</a:t>
             </a:fld>
             <a:endParaRPr kumimoji="1" lang="ja-JP" altLang="en-US"/>
           </a:p>
@@ -4010,6 +4010,36 @@
           <a:chExt cx="0" cy="0"/>
         </a:xfrm>
       </p:grpSpPr>
+      <p:pic>
+        <p:nvPicPr>
+          <p:cNvPr id="5" name="図 4">
+            <a:extLst>
+              <a:ext uri="{FF2B5EF4-FFF2-40B4-BE49-F238E27FC236}">
+                <a16:creationId xmlns:a16="http://schemas.microsoft.com/office/drawing/2014/main" id="{84F74A15-6818-4092-B782-77C02ADF44B4}"/>
+              </a:ext>
+            </a:extLst>
+          </p:cNvPr>
+          <p:cNvPicPr>
+            <a:picLocks noChangeAspect="1"/>
+          </p:cNvPicPr>
+          <p:nvPr/>
+        </p:nvPicPr>
+        <p:blipFill>
+          <a:blip r:embed="rId2"/>
+          <a:stretch>
+            <a:fillRect/>
+          </a:stretch>
+        </p:blipFill>
+        <p:spPr>
+          <a:xfrm>
+            <a:off x="3102707" y="453222"/>
+            <a:ext cx="5157269" cy="5951556"/>
+          </a:xfrm>
+          <a:prstGeom prst="rect">
+            <a:avLst/>
+          </a:prstGeom>
+        </p:spPr>
+      </p:pic>
     </p:spTree>
     <p:extLst>
       <p:ext uri="{BB962C8B-B14F-4D97-AF65-F5344CB8AC3E}">
@@ -5939,6 +5969,36 @@
           <a:chExt cx="0" cy="0"/>
         </a:xfrm>
       </p:grpSpPr>
+      <p:pic>
+        <p:nvPicPr>
+          <p:cNvPr id="7" name="図 6">
+            <a:extLst>
+              <a:ext uri="{FF2B5EF4-FFF2-40B4-BE49-F238E27FC236}">
+                <a16:creationId xmlns:a16="http://schemas.microsoft.com/office/drawing/2014/main" id="{EFD634CC-695E-475C-BA88-FFF67387D88F}"/>
+              </a:ext>
+            </a:extLst>
+          </p:cNvPr>
+          <p:cNvPicPr>
+            <a:picLocks noChangeAspect="1"/>
+          </p:cNvPicPr>
+          <p:nvPr/>
+        </p:nvPicPr>
+        <p:blipFill>
+          <a:blip r:embed="rId2"/>
+          <a:stretch>
+            <a:fillRect/>
+          </a:stretch>
+        </p:blipFill>
+        <p:spPr>
+          <a:xfrm>
+            <a:off x="2340428" y="0"/>
+            <a:ext cx="7511143" cy="6858000"/>
+          </a:xfrm>
+          <a:prstGeom prst="rect">
+            <a:avLst/>
+          </a:prstGeom>
+        </p:spPr>
+      </p:pic>
     </p:spTree>
     <p:extLst>
       <p:ext uri="{BB962C8B-B14F-4D97-AF65-F5344CB8AC3E}">

--- a/figs/makeFigs.pptx
+++ b/figs/makeFigs.pptx
@@ -14,8 +14,8 @@
     <p:sldId id="263" r:id="rId8"/>
     <p:sldId id="272" r:id="rId9"/>
     <p:sldId id="275" r:id="rId10"/>
-    <p:sldId id="276" r:id="rId11"/>
-    <p:sldId id="277" r:id="rId12"/>
+    <p:sldId id="277" r:id="rId11"/>
+    <p:sldId id="276" r:id="rId12"/>
     <p:sldId id="278" r:id="rId13"/>
     <p:sldId id="279" r:id="rId14"/>
     <p:sldId id="280" r:id="rId15"/>
@@ -4012,10 +4012,10 @@
       </p:grpSpPr>
       <p:pic>
         <p:nvPicPr>
-          <p:cNvPr id="5" name="図 4">
-            <a:extLst>
-              <a:ext uri="{FF2B5EF4-FFF2-40B4-BE49-F238E27FC236}">
-                <a16:creationId xmlns:a16="http://schemas.microsoft.com/office/drawing/2014/main" id="{84F74A15-6818-4092-B782-77C02ADF44B4}"/>
+          <p:cNvPr id="3" name="図 2">
+            <a:extLst>
+              <a:ext uri="{FF2B5EF4-FFF2-40B4-BE49-F238E27FC236}">
+                <a16:creationId xmlns:a16="http://schemas.microsoft.com/office/drawing/2014/main" id="{C935DAC7-7B6C-4F7D-946B-D743A2A07961}"/>
               </a:ext>
             </a:extLst>
           </p:cNvPr>
@@ -4032,8 +4032,8 @@
         </p:blipFill>
         <p:spPr>
           <a:xfrm>
-            <a:off x="3102707" y="453222"/>
-            <a:ext cx="5157269" cy="5951556"/>
+            <a:off x="1293691" y="784591"/>
+            <a:ext cx="5353050" cy="3819525"/>
           </a:xfrm>
           <a:prstGeom prst="rect">
             <a:avLst/>
@@ -4043,7 +4043,7 @@
     </p:spTree>
     <p:extLst>
       <p:ext uri="{BB962C8B-B14F-4D97-AF65-F5344CB8AC3E}">
-        <p14:creationId xmlns:p14="http://schemas.microsoft.com/office/powerpoint/2010/main" val="2790903284"/>
+        <p14:creationId xmlns:p14="http://schemas.microsoft.com/office/powerpoint/2010/main" val="2924987063"/>
       </p:ext>
     </p:extLst>
   </p:cSld>
@@ -4070,10 +4070,40 @@
           <a:chExt cx="0" cy="0"/>
         </a:xfrm>
       </p:grpSpPr>
+      <p:pic>
+        <p:nvPicPr>
+          <p:cNvPr id="5" name="図 4">
+            <a:extLst>
+              <a:ext uri="{FF2B5EF4-FFF2-40B4-BE49-F238E27FC236}">
+                <a16:creationId xmlns:a16="http://schemas.microsoft.com/office/drawing/2014/main" id="{84F74A15-6818-4092-B782-77C02ADF44B4}"/>
+              </a:ext>
+            </a:extLst>
+          </p:cNvPr>
+          <p:cNvPicPr>
+            <a:picLocks noChangeAspect="1"/>
+          </p:cNvPicPr>
+          <p:nvPr/>
+        </p:nvPicPr>
+        <p:blipFill>
+          <a:blip r:embed="rId2"/>
+          <a:stretch>
+            <a:fillRect/>
+          </a:stretch>
+        </p:blipFill>
+        <p:spPr>
+          <a:xfrm>
+            <a:off x="3102707" y="453222"/>
+            <a:ext cx="5157269" cy="5951556"/>
+          </a:xfrm>
+          <a:prstGeom prst="rect">
+            <a:avLst/>
+          </a:prstGeom>
+        </p:spPr>
+      </p:pic>
     </p:spTree>
     <p:extLst>
       <p:ext uri="{BB962C8B-B14F-4D97-AF65-F5344CB8AC3E}">
-        <p14:creationId xmlns:p14="http://schemas.microsoft.com/office/powerpoint/2010/main" val="2924987063"/>
+        <p14:creationId xmlns:p14="http://schemas.microsoft.com/office/powerpoint/2010/main" val="2790903284"/>
       </p:ext>
     </p:extLst>
   </p:cSld>

--- a/figs/makeFigs.pptx
+++ b/figs/makeFigs.pptx
@@ -17,9 +17,9 @@
     <p:sldId id="277" r:id="rId11"/>
     <p:sldId id="276" r:id="rId12"/>
     <p:sldId id="278" r:id="rId13"/>
-    <p:sldId id="279" r:id="rId14"/>
-    <p:sldId id="280" r:id="rId15"/>
-    <p:sldId id="281" r:id="rId16"/>
+    <p:sldId id="281" r:id="rId14"/>
+    <p:sldId id="279" r:id="rId15"/>
+    <p:sldId id="280" r:id="rId16"/>
     <p:sldId id="282" r:id="rId17"/>
     <p:sldId id="283" r:id="rId18"/>
     <p:sldId id="284" r:id="rId19"/>
@@ -282,7 +282,7 @@
           <a:p>
             <a:fld id="{DE96C6B9-2B2A-464C-92AE-90B0BB51DC5F}" type="datetimeFigureOut">
               <a:rPr kumimoji="1" lang="ja-JP" altLang="en-US" smtClean="0"/>
-              <a:t>2020/9/9</a:t>
+              <a:t>2020/9/12</a:t>
             </a:fld>
             <a:endParaRPr kumimoji="1" lang="ja-JP" altLang="en-US"/>
           </a:p>
@@ -512,7 +512,7 @@
           <a:p>
             <a:fld id="{DE96C6B9-2B2A-464C-92AE-90B0BB51DC5F}" type="datetimeFigureOut">
               <a:rPr kumimoji="1" lang="ja-JP" altLang="en-US" smtClean="0"/>
-              <a:t>2020/9/9</a:t>
+              <a:t>2020/9/12</a:t>
             </a:fld>
             <a:endParaRPr kumimoji="1" lang="ja-JP" altLang="en-US"/>
           </a:p>
@@ -752,7 +752,7 @@
           <a:p>
             <a:fld id="{DE96C6B9-2B2A-464C-92AE-90B0BB51DC5F}" type="datetimeFigureOut">
               <a:rPr kumimoji="1" lang="ja-JP" altLang="en-US" smtClean="0"/>
-              <a:t>2020/9/9</a:t>
+              <a:t>2020/9/12</a:t>
             </a:fld>
             <a:endParaRPr kumimoji="1" lang="ja-JP" altLang="en-US"/>
           </a:p>
@@ -1078,7 +1078,7 @@
           <a:p>
             <a:fld id="{DE96C6B9-2B2A-464C-92AE-90B0BB51DC5F}" type="datetimeFigureOut">
               <a:rPr kumimoji="1" lang="ja-JP" altLang="en-US" smtClean="0"/>
-              <a:t>2020/9/9</a:t>
+              <a:t>2020/9/12</a:t>
             </a:fld>
             <a:endParaRPr kumimoji="1" lang="ja-JP" altLang="en-US"/>
           </a:p>
@@ -1353,7 +1353,7 @@
           <a:p>
             <a:fld id="{DE96C6B9-2B2A-464C-92AE-90B0BB51DC5F}" type="datetimeFigureOut">
               <a:rPr kumimoji="1" lang="ja-JP" altLang="en-US" smtClean="0"/>
-              <a:t>2020/9/9</a:t>
+              <a:t>2020/9/12</a:t>
             </a:fld>
             <a:endParaRPr kumimoji="1" lang="ja-JP" altLang="en-US"/>
           </a:p>
@@ -1682,7 +1682,7 @@
           <a:p>
             <a:fld id="{DE96C6B9-2B2A-464C-92AE-90B0BB51DC5F}" type="datetimeFigureOut">
               <a:rPr kumimoji="1" lang="ja-JP" altLang="en-US" smtClean="0"/>
-              <a:t>2020/9/9</a:t>
+              <a:t>2020/9/12</a:t>
             </a:fld>
             <a:endParaRPr kumimoji="1" lang="ja-JP" altLang="en-US"/>
           </a:p>
@@ -2158,7 +2158,7 @@
           <a:p>
             <a:fld id="{DE96C6B9-2B2A-464C-92AE-90B0BB51DC5F}" type="datetimeFigureOut">
               <a:rPr kumimoji="1" lang="ja-JP" altLang="en-US" smtClean="0"/>
-              <a:t>2020/9/9</a:t>
+              <a:t>2020/9/12</a:t>
             </a:fld>
             <a:endParaRPr kumimoji="1" lang="ja-JP" altLang="en-US"/>
           </a:p>
@@ -2299,7 +2299,7 @@
           <a:p>
             <a:fld id="{DE96C6B9-2B2A-464C-92AE-90B0BB51DC5F}" type="datetimeFigureOut">
               <a:rPr kumimoji="1" lang="ja-JP" altLang="en-US" smtClean="0"/>
-              <a:t>2020/9/9</a:t>
+              <a:t>2020/9/12</a:t>
             </a:fld>
             <a:endParaRPr kumimoji="1" lang="ja-JP" altLang="en-US"/>
           </a:p>
@@ -2412,7 +2412,7 @@
           <a:p>
             <a:fld id="{DE96C6B9-2B2A-464C-92AE-90B0BB51DC5F}" type="datetimeFigureOut">
               <a:rPr kumimoji="1" lang="ja-JP" altLang="en-US" smtClean="0"/>
-              <a:t>2020/9/9</a:t>
+              <a:t>2020/9/12</a:t>
             </a:fld>
             <a:endParaRPr kumimoji="1" lang="ja-JP" altLang="en-US"/>
           </a:p>
@@ -2755,7 +2755,7 @@
           <a:p>
             <a:fld id="{DE96C6B9-2B2A-464C-92AE-90B0BB51DC5F}" type="datetimeFigureOut">
               <a:rPr kumimoji="1" lang="ja-JP" altLang="en-US" smtClean="0"/>
-              <a:t>2020/9/9</a:t>
+              <a:t>2020/9/12</a:t>
             </a:fld>
             <a:endParaRPr kumimoji="1" lang="ja-JP" altLang="en-US"/>
           </a:p>
@@ -3043,7 +3043,7 @@
           <a:p>
             <a:fld id="{DE96C6B9-2B2A-464C-92AE-90B0BB51DC5F}" type="datetimeFigureOut">
               <a:rPr kumimoji="1" lang="ja-JP" altLang="en-US" smtClean="0"/>
-              <a:t>2020/9/9</a:t>
+              <a:t>2020/9/12</a:t>
             </a:fld>
             <a:endParaRPr kumimoji="1" lang="ja-JP" altLang="en-US"/>
           </a:p>
@@ -3316,7 +3316,7 @@
           <a:p>
             <a:fld id="{DE96C6B9-2B2A-464C-92AE-90B0BB51DC5F}" type="datetimeFigureOut">
               <a:rPr kumimoji="1" lang="ja-JP" altLang="en-US" smtClean="0"/>
-              <a:t>2020/9/9</a:t>
+              <a:t>2020/9/12</a:t>
             </a:fld>
             <a:endParaRPr kumimoji="1" lang="ja-JP" altLang="en-US"/>
           </a:p>
@@ -4130,6 +4130,36 @@
           <a:chExt cx="0" cy="0"/>
         </a:xfrm>
       </p:grpSpPr>
+      <p:pic>
+        <p:nvPicPr>
+          <p:cNvPr id="3" name="図 2">
+            <a:extLst>
+              <a:ext uri="{FF2B5EF4-FFF2-40B4-BE49-F238E27FC236}">
+                <a16:creationId xmlns:a16="http://schemas.microsoft.com/office/drawing/2014/main" id="{68BFEA4F-C568-41FB-B6DB-626279F981F8}"/>
+              </a:ext>
+            </a:extLst>
+          </p:cNvPr>
+          <p:cNvPicPr>
+            <a:picLocks noChangeAspect="1"/>
+          </p:cNvPicPr>
+          <p:nvPr/>
+        </p:nvPicPr>
+        <p:blipFill>
+          <a:blip r:embed="rId2"/>
+          <a:stretch>
+            <a:fillRect/>
+          </a:stretch>
+        </p:blipFill>
+        <p:spPr>
+          <a:xfrm>
+            <a:off x="2434095" y="90905"/>
+            <a:ext cx="7323809" cy="6676190"/>
+          </a:xfrm>
+          <a:prstGeom prst="rect">
+            <a:avLst/>
+          </a:prstGeom>
+        </p:spPr>
+      </p:pic>
     </p:spTree>
     <p:extLst>
       <p:ext uri="{BB962C8B-B14F-4D97-AF65-F5344CB8AC3E}">
@@ -4160,10 +4190,39 @@
           <a:chExt cx="0" cy="0"/>
         </a:xfrm>
       </p:grpSpPr>
+      <p:pic>
+        <p:nvPicPr>
+          <p:cNvPr id="3" name="図 2">
+            <a:extLst>
+              <a:ext uri="{FF2B5EF4-FFF2-40B4-BE49-F238E27FC236}">
+                <a16:creationId xmlns:a16="http://schemas.microsoft.com/office/drawing/2014/main" id="{E726B1FD-6B24-4104-B12A-B5641E195F1C}"/>
+              </a:ext>
+            </a:extLst>
+          </p:cNvPr>
+          <p:cNvPicPr>
+            <a:picLocks noChangeAspect="1"/>
+          </p:cNvPicPr>
+          <p:nvPr/>
+        </p:nvPicPr>
+        <p:blipFill rotWithShape="1">
+          <a:blip r:embed="rId2"/>
+          <a:srcRect l="43233" t="52650" b="2336"/>
+          <a:stretch/>
+        </p:blipFill>
+        <p:spPr>
+          <a:xfrm>
+            <a:off x="3399692" y="1375508"/>
+            <a:ext cx="6228862" cy="3087077"/>
+          </a:xfrm>
+          <a:prstGeom prst="rect">
+            <a:avLst/>
+          </a:prstGeom>
+        </p:spPr>
+      </p:pic>
     </p:spTree>
     <p:extLst>
       <p:ext uri="{BB962C8B-B14F-4D97-AF65-F5344CB8AC3E}">
-        <p14:creationId xmlns:p14="http://schemas.microsoft.com/office/powerpoint/2010/main" val="171189692"/>
+        <p14:creationId xmlns:p14="http://schemas.microsoft.com/office/powerpoint/2010/main" val="2273085510"/>
       </p:ext>
     </p:extLst>
   </p:cSld>
@@ -4190,10 +4249,40 @@
           <a:chExt cx="0" cy="0"/>
         </a:xfrm>
       </p:grpSpPr>
+      <p:pic>
+        <p:nvPicPr>
+          <p:cNvPr id="3" name="図 2">
+            <a:extLst>
+              <a:ext uri="{FF2B5EF4-FFF2-40B4-BE49-F238E27FC236}">
+                <a16:creationId xmlns:a16="http://schemas.microsoft.com/office/drawing/2014/main" id="{B9A95AE8-60DF-42BD-8B3D-B555FA3CDE2B}"/>
+              </a:ext>
+            </a:extLst>
+          </p:cNvPr>
+          <p:cNvPicPr>
+            <a:picLocks noChangeAspect="1"/>
+          </p:cNvPicPr>
+          <p:nvPr/>
+        </p:nvPicPr>
+        <p:blipFill>
+          <a:blip r:embed="rId2"/>
+          <a:stretch>
+            <a:fillRect/>
+          </a:stretch>
+        </p:blipFill>
+        <p:spPr>
+          <a:xfrm>
+            <a:off x="2341719" y="0"/>
+            <a:ext cx="7508562" cy="6858000"/>
+          </a:xfrm>
+          <a:prstGeom prst="rect">
+            <a:avLst/>
+          </a:prstGeom>
+        </p:spPr>
+      </p:pic>
     </p:spTree>
     <p:extLst>
       <p:ext uri="{BB962C8B-B14F-4D97-AF65-F5344CB8AC3E}">
-        <p14:creationId xmlns:p14="http://schemas.microsoft.com/office/powerpoint/2010/main" val="1667471724"/>
+        <p14:creationId xmlns:p14="http://schemas.microsoft.com/office/powerpoint/2010/main" val="171189692"/>
       </p:ext>
     </p:extLst>
   </p:cSld>
@@ -4220,10 +4309,271 @@
           <a:chExt cx="0" cy="0"/>
         </a:xfrm>
       </p:grpSpPr>
+      <p:pic>
+        <p:nvPicPr>
+          <p:cNvPr id="6" name="図 5">
+            <a:extLst>
+              <a:ext uri="{FF2B5EF4-FFF2-40B4-BE49-F238E27FC236}">
+                <a16:creationId xmlns:a16="http://schemas.microsoft.com/office/drawing/2014/main" id="{EAF56224-1798-46D5-9E7B-1A1482690210}"/>
+              </a:ext>
+            </a:extLst>
+          </p:cNvPr>
+          <p:cNvPicPr>
+            <a:picLocks noChangeAspect="1"/>
+          </p:cNvPicPr>
+          <p:nvPr/>
+        </p:nvPicPr>
+        <p:blipFill rotWithShape="1">
+          <a:blip r:embed="rId2"/>
+          <a:srcRect l="904"/>
+          <a:stretch/>
+        </p:blipFill>
+        <p:spPr>
+          <a:xfrm>
+            <a:off x="1644072" y="1038835"/>
+            <a:ext cx="5531183" cy="4295775"/>
+          </a:xfrm>
+          <a:prstGeom prst="rect">
+            <a:avLst/>
+          </a:prstGeom>
+        </p:spPr>
+      </p:pic>
+      <p:sp>
+        <p:nvSpPr>
+          <p:cNvPr id="4" name="正方形/長方形 3">
+            <a:extLst>
+              <a:ext uri="{FF2B5EF4-FFF2-40B4-BE49-F238E27FC236}">
+                <a16:creationId xmlns:a16="http://schemas.microsoft.com/office/drawing/2014/main" id="{5C712A22-CB69-4460-8BAE-88ABBA3FD575}"/>
+              </a:ext>
+            </a:extLst>
+          </p:cNvPr>
+          <p:cNvSpPr/>
+          <p:nvPr/>
+        </p:nvSpPr>
+        <p:spPr>
+          <a:xfrm>
+            <a:off x="2852613" y="3829539"/>
+            <a:ext cx="2836985" cy="468923"/>
+          </a:xfrm>
+          <a:prstGeom prst="rect">
+            <a:avLst/>
+          </a:prstGeom>
+          <a:solidFill>
+            <a:srgbClr val="000000">
+              <a:alpha val="30196"/>
+            </a:srgbClr>
+          </a:solidFill>
+          <a:ln>
+            <a:noFill/>
+          </a:ln>
+        </p:spPr>
+        <p:style>
+          <a:lnRef idx="2">
+            <a:schemeClr val="accent1">
+              <a:shade val="50000"/>
+            </a:schemeClr>
+          </a:lnRef>
+          <a:fillRef idx="1">
+            <a:schemeClr val="accent1"/>
+          </a:fillRef>
+          <a:effectRef idx="0">
+            <a:schemeClr val="accent1"/>
+          </a:effectRef>
+          <a:fontRef idx="minor">
+            <a:schemeClr val="lt1"/>
+          </a:fontRef>
+        </p:style>
+        <p:txBody>
+          <a:bodyPr rtlCol="0" anchor="ctr"/>
+          <a:lstStyle/>
+          <a:p>
+            <a:pPr algn="ctr"/>
+            <a:endParaRPr kumimoji="1" lang="ja-JP" altLang="en-US"/>
+          </a:p>
+        </p:txBody>
+      </p:sp>
+      <p:sp>
+        <p:nvSpPr>
+          <p:cNvPr id="7" name="テキスト ボックス 6">
+            <a:extLst>
+              <a:ext uri="{FF2B5EF4-FFF2-40B4-BE49-F238E27FC236}">
+                <a16:creationId xmlns:a16="http://schemas.microsoft.com/office/drawing/2014/main" id="{DCD94E55-BF7A-401B-A33D-32F9A900CBD8}"/>
+              </a:ext>
+            </a:extLst>
+          </p:cNvPr>
+          <p:cNvSpPr txBox="1">
+            <a:spLocks/>
+          </p:cNvSpPr>
+          <p:nvPr/>
+        </p:nvSpPr>
+        <p:spPr>
+          <a:xfrm>
+            <a:off x="6237390" y="3863558"/>
+            <a:ext cx="1867878" cy="459505"/>
+          </a:xfrm>
+          <a:prstGeom prst="rect">
+            <a:avLst/>
+          </a:prstGeom>
+          <a:solidFill>
+            <a:srgbClr val="92D050"/>
+          </a:solidFill>
+        </p:spPr>
+        <p:txBody>
+          <a:bodyPr wrap="square" rtlCol="0">
+            <a:noAutofit/>
+          </a:bodyPr>
+          <a:lstStyle/>
+          <a:p>
+            <a:r>
+              <a:rPr lang="en-US" altLang="ja-JP" sz="1200" dirty="0"/>
+              <a:t>Can be left default unless needed.</a:t>
+            </a:r>
+            <a:endParaRPr kumimoji="1" lang="ja-JP" altLang="en-US" sz="1200" dirty="0"/>
+          </a:p>
+        </p:txBody>
+      </p:sp>
+      <p:sp>
+        <p:nvSpPr>
+          <p:cNvPr id="8" name="右中かっこ 7">
+            <a:extLst>
+              <a:ext uri="{FF2B5EF4-FFF2-40B4-BE49-F238E27FC236}">
+                <a16:creationId xmlns:a16="http://schemas.microsoft.com/office/drawing/2014/main" id="{2844FFB4-F965-48FF-8EE3-A8FFF17B23C3}"/>
+              </a:ext>
+            </a:extLst>
+          </p:cNvPr>
+          <p:cNvSpPr/>
+          <p:nvPr/>
+        </p:nvSpPr>
+        <p:spPr>
+          <a:xfrm>
+            <a:off x="5759939" y="3829539"/>
+            <a:ext cx="492370" cy="468923"/>
+          </a:xfrm>
+          <a:prstGeom prst="rightBrace">
+            <a:avLst>
+              <a:gd name="adj1" fmla="val 22126"/>
+              <a:gd name="adj2" fmla="val 50000"/>
+            </a:avLst>
+          </a:prstGeom>
+          <a:ln w="19050">
+            <a:solidFill>
+              <a:schemeClr val="tx1"/>
+            </a:solidFill>
+          </a:ln>
+        </p:spPr>
+        <p:style>
+          <a:lnRef idx="1">
+            <a:schemeClr val="accent1"/>
+          </a:lnRef>
+          <a:fillRef idx="0">
+            <a:schemeClr val="accent1"/>
+          </a:fillRef>
+          <a:effectRef idx="0">
+            <a:schemeClr val="accent1"/>
+          </a:effectRef>
+          <a:fontRef idx="minor">
+            <a:schemeClr val="tx1"/>
+          </a:fontRef>
+        </p:style>
+        <p:txBody>
+          <a:bodyPr rtlCol="0" anchor="ctr"/>
+          <a:lstStyle/>
+          <a:p>
+            <a:pPr algn="ctr"/>
+            <a:endParaRPr kumimoji="1" lang="ja-JP" altLang="en-US"/>
+          </a:p>
+        </p:txBody>
+      </p:sp>
+      <p:sp>
+        <p:nvSpPr>
+          <p:cNvPr id="10" name="テキスト ボックス 9">
+            <a:extLst>
+              <a:ext uri="{FF2B5EF4-FFF2-40B4-BE49-F238E27FC236}">
+                <a16:creationId xmlns:a16="http://schemas.microsoft.com/office/drawing/2014/main" id="{F62ECC3F-83DD-4CE2-A421-3E4EB9237EA8}"/>
+              </a:ext>
+            </a:extLst>
+          </p:cNvPr>
+          <p:cNvSpPr txBox="1">
+            <a:spLocks/>
+          </p:cNvSpPr>
+          <p:nvPr/>
+        </p:nvSpPr>
+        <p:spPr>
+          <a:xfrm>
+            <a:off x="6080373" y="2769098"/>
+            <a:ext cx="2343192" cy="672762"/>
+          </a:xfrm>
+          <a:prstGeom prst="rect">
+            <a:avLst/>
+          </a:prstGeom>
+          <a:solidFill>
+            <a:srgbClr val="92D050"/>
+          </a:solidFill>
+        </p:spPr>
+        <p:txBody>
+          <a:bodyPr wrap="square" rtlCol="0">
+            <a:noAutofit/>
+          </a:bodyPr>
+          <a:lstStyle/>
+          <a:p>
+            <a:r>
+              <a:rPr lang="en-US" altLang="ja-JP" sz="1200" dirty="0"/>
+              <a:t>If you install Anaconda3 to Windows10 with default setting, leave default.</a:t>
+            </a:r>
+            <a:endParaRPr kumimoji="1" lang="ja-JP" altLang="en-US" sz="1200" dirty="0"/>
+          </a:p>
+        </p:txBody>
+      </p:sp>
+      <p:cxnSp>
+        <p:nvCxnSpPr>
+          <p:cNvPr id="14" name="直線コネクタ 13">
+            <a:extLst>
+              <a:ext uri="{FF2B5EF4-FFF2-40B4-BE49-F238E27FC236}">
+                <a16:creationId xmlns:a16="http://schemas.microsoft.com/office/drawing/2014/main" id="{F89E93B8-F2B9-4F84-8F9D-AE583DB1202D}"/>
+              </a:ext>
+            </a:extLst>
+          </p:cNvPr>
+          <p:cNvCxnSpPr>
+            <a:cxnSpLocks/>
+            <a:endCxn id="10" idx="1"/>
+          </p:cNvCxnSpPr>
+          <p:nvPr/>
+        </p:nvCxnSpPr>
+        <p:spPr>
+          <a:xfrm flipV="1">
+            <a:off x="4645891" y="3105479"/>
+            <a:ext cx="1434482" cy="366078"/>
+          </a:xfrm>
+          <a:prstGeom prst="line">
+            <a:avLst/>
+          </a:prstGeom>
+          <a:ln w="28575">
+            <a:solidFill>
+              <a:schemeClr val="accent6">
+                <a:lumMod val="75000"/>
+              </a:schemeClr>
+            </a:solidFill>
+          </a:ln>
+        </p:spPr>
+        <p:style>
+          <a:lnRef idx="1">
+            <a:schemeClr val="accent1"/>
+          </a:lnRef>
+          <a:fillRef idx="0">
+            <a:schemeClr val="accent1"/>
+          </a:fillRef>
+          <a:effectRef idx="0">
+            <a:schemeClr val="accent1"/>
+          </a:effectRef>
+          <a:fontRef idx="minor">
+            <a:schemeClr val="tx1"/>
+          </a:fontRef>
+        </p:style>
+      </p:cxnSp>
     </p:spTree>
     <p:extLst>
       <p:ext uri="{BB962C8B-B14F-4D97-AF65-F5344CB8AC3E}">
-        <p14:creationId xmlns:p14="http://schemas.microsoft.com/office/powerpoint/2010/main" val="2273085510"/>
+        <p14:creationId xmlns:p14="http://schemas.microsoft.com/office/powerpoint/2010/main" val="1667471724"/>
       </p:ext>
     </p:extLst>
   </p:cSld>
